--- a/WEEK_2/Slide/Day4_JC2.pptx
+++ b/WEEK_2/Slide/Day4_JC2.pptx
@@ -116,7 +116,7 @@
   </p:defaultTextStyle>
   <p:extLst>
     <p:ext uri="{EFAFB233-063F-42B5-8137-9DF3F51BA10A}">
-      <p15:sldGuideLst xmlns:p15="http://schemas.microsoft.com/office/powerpoint/2012/main" xmlns="">
+      <p15:sldGuideLst xmlns="" xmlns:p15="http://schemas.microsoft.com/office/powerpoint/2012/main">
         <p15:guide id="1" orient="horz" pos="2160">
           <p15:clr>
             <a:srgbClr val="A4A3A4"/>
@@ -219,7 +219,8 @@
           <a:p>
             <a:fld id="{EC3A7911-4DAA-48EB-A45A-DE2C705650C4}" type="datetimeFigureOut">
               <a:rPr lang="en-US" smtClean="0"/>
-              <a:t>10/30/15</a:t>
+              <a:pPr/>
+              <a:t>10/31/2015</a:t>
             </a:fld>
             <a:endParaRPr lang="en-US"/>
           </a:p>
@@ -285,6 +286,7 @@
           <a:p>
             <a:fld id="{35706755-F6D4-4F89-BF86-1E91133C8209}" type="slidenum">
               <a:rPr lang="en-US" smtClean="0"/>
+              <a:pPr/>
               <a:t>‹#›</a:t>
             </a:fld>
             <a:endParaRPr lang="en-US"/>
@@ -294,7 +296,7 @@
     </p:spTree>
     <p:extLst>
       <p:ext uri="{BB962C8B-B14F-4D97-AF65-F5344CB8AC3E}">
-        <p14:creationId xmlns:p14="http://schemas.microsoft.com/office/powerpoint/2010/main" val="1992485818"/>
+        <p14:creationId xmlns:p14="http://schemas.microsoft.com/office/powerpoint/2010/main" xmlns="" val="1992485818"/>
       </p:ext>
     </p:extLst>
   </p:cSld>
@@ -389,7 +391,8 @@
           <a:p>
             <a:fld id="{9C0CF039-6D26-47FE-AF91-70176E9324FB}" type="datetimeFigureOut">
               <a:rPr lang="en-US" smtClean="0"/>
-              <a:t>10/30/15</a:t>
+              <a:pPr/>
+              <a:t>10/31/2015</a:t>
             </a:fld>
             <a:endParaRPr lang="en-US"/>
           </a:p>
@@ -548,6 +551,7 @@
           <a:p>
             <a:fld id="{7BD30864-223D-40DE-A424-4F98495464E9}" type="slidenum">
               <a:rPr lang="en-US" smtClean="0"/>
+              <a:pPr/>
               <a:t>‹#›</a:t>
             </a:fld>
             <a:endParaRPr lang="en-US"/>
@@ -557,7 +561,7 @@
     </p:spTree>
     <p:extLst>
       <p:ext uri="{BB962C8B-B14F-4D97-AF65-F5344CB8AC3E}">
-        <p14:creationId xmlns:p14="http://schemas.microsoft.com/office/powerpoint/2010/main" val="2447273846"/>
+        <p14:creationId xmlns:p14="http://schemas.microsoft.com/office/powerpoint/2010/main" xmlns="" val="2447273846"/>
       </p:ext>
     </p:extLst>
   </p:cSld>
@@ -723,6 +727,7 @@
           <a:p>
             <a:fld id="{7BD30864-223D-40DE-A424-4F98495464E9}" type="slidenum">
               <a:rPr lang="en-US" smtClean="0"/>
+              <a:pPr/>
               <a:t>1</a:t>
             </a:fld>
             <a:endParaRPr lang="en-US"/>
@@ -755,7 +760,7 @@
     </p:spTree>
     <p:extLst>
       <p:ext uri="{BB962C8B-B14F-4D97-AF65-F5344CB8AC3E}">
-        <p14:creationId xmlns:p14="http://schemas.microsoft.com/office/powerpoint/2010/main" val="192757155"/>
+        <p14:creationId xmlns:p14="http://schemas.microsoft.com/office/powerpoint/2010/main" xmlns="" val="192757155"/>
       </p:ext>
     </p:extLst>
   </p:cSld>
@@ -830,6 +835,7 @@
           <a:p>
             <a:fld id="{7BD30864-223D-40DE-A424-4F98495464E9}" type="slidenum">
               <a:rPr lang="en-US" smtClean="0"/>
+              <a:pPr/>
               <a:t>4</a:t>
             </a:fld>
             <a:endParaRPr lang="en-US"/>
@@ -862,7 +868,7 @@
     </p:spTree>
     <p:extLst>
       <p:ext uri="{BB962C8B-B14F-4D97-AF65-F5344CB8AC3E}">
-        <p14:creationId xmlns:p14="http://schemas.microsoft.com/office/powerpoint/2010/main" val="844716491"/>
+        <p14:creationId xmlns:p14="http://schemas.microsoft.com/office/powerpoint/2010/main" xmlns="" val="844716491"/>
       </p:ext>
     </p:extLst>
   </p:cSld>
@@ -937,6 +943,7 @@
           <a:p>
             <a:fld id="{7BD30864-223D-40DE-A424-4F98495464E9}" type="slidenum">
               <a:rPr lang="en-US" smtClean="0"/>
+              <a:pPr/>
               <a:t>5</a:t>
             </a:fld>
             <a:endParaRPr lang="en-US"/>
@@ -969,7 +976,7 @@
     </p:spTree>
     <p:extLst>
       <p:ext uri="{BB962C8B-B14F-4D97-AF65-F5344CB8AC3E}">
-        <p14:creationId xmlns:p14="http://schemas.microsoft.com/office/powerpoint/2010/main" val="4133513852"/>
+        <p14:creationId xmlns:p14="http://schemas.microsoft.com/office/powerpoint/2010/main" xmlns="" val="4133513852"/>
       </p:ext>
     </p:extLst>
   </p:cSld>
@@ -3736,9 +3743,10 @@
           <a:p>
             <a:fld id="{5A661C0E-4A5F-49CF-8983-6316D061B77F}" type="datetime4">
               <a:rPr lang="en-US" smtClean="0"/>
-              <a:t>October 30, 2015</a:t>
+              <a:pPr/>
+              <a:t>October 31, 2015</a:t>
             </a:fld>
-            <a:endParaRPr lang="en-US" dirty="0"/>
+            <a:endParaRPr lang="en-US"/>
           </a:p>
         </p:txBody>
       </p:sp>
@@ -3822,7 +3830,7 @@
               <a:rPr lang="en-US" smtClean="0"/>
               <a:t>Activestudy.edu.vn - Java Basic </a:t>
             </a:r>
-            <a:endParaRPr lang="en-US" dirty="0"/>
+            <a:endParaRPr lang="en-US"/>
           </a:p>
         </p:txBody>
       </p:sp>
@@ -3859,7 +3867,7 @@
               <a:pPr/>
               <a:t>‹#›</a:t>
             </a:fld>
-            <a:endParaRPr lang="en-US" dirty="0"/>
+            <a:endParaRPr lang="en-US"/>
           </a:p>
         </p:txBody>
       </p:sp>
@@ -4026,7 +4034,8 @@
           <a:p>
             <a:fld id="{8308B6AB-402F-48F4-9A19-1CF226326041}" type="datetime4">
               <a:rPr lang="en-US" smtClean="0"/>
-              <a:t>October 30, 2015</a:t>
+              <a:pPr/>
+              <a:t>October 31, 2015</a:t>
             </a:fld>
             <a:endParaRPr lang="en-US"/>
           </a:p>
@@ -4206,7 +4215,8 @@
           <a:p>
             <a:fld id="{EE429039-EDF2-4CBE-9967-C70B0B3F8864}" type="datetime4">
               <a:rPr lang="en-US" smtClean="0"/>
-              <a:t>October 30, 2015</a:t>
+              <a:pPr/>
+              <a:t>October 31, 2015</a:t>
             </a:fld>
             <a:endParaRPr lang="en-US"/>
           </a:p>
@@ -4376,7 +4386,8 @@
           <a:p>
             <a:fld id="{27ADD457-7703-4556-9F8A-848647488F90}" type="datetime4">
               <a:rPr lang="en-US" smtClean="0"/>
-              <a:t>October 30, 2015</a:t>
+              <a:pPr/>
+              <a:t>October 31, 2015</a:t>
             </a:fld>
             <a:endParaRPr lang="en-US"/>
           </a:p>
@@ -4622,7 +4633,8 @@
           <a:p>
             <a:fld id="{D0C06EE5-A6EA-4B7F-9B76-8D6BE2252FD1}" type="datetime4">
               <a:rPr lang="en-US" smtClean="0"/>
-              <a:t>October 30, 2015</a:t>
+              <a:pPr/>
+              <a:t>October 31, 2015</a:t>
             </a:fld>
             <a:endParaRPr lang="en-US"/>
           </a:p>
@@ -4740,7 +4752,8 @@
           <a:p>
             <a:fld id="{78D8358F-69EE-4355-9D34-808F363EFC27}" type="datetime4">
               <a:rPr lang="en-US" smtClean="0"/>
-              <a:t>October 30, 2015</a:t>
+              <a:pPr/>
+              <a:t>October 31, 2015</a:t>
             </a:fld>
             <a:endParaRPr lang="en-US"/>
           </a:p>
@@ -5284,7 +5297,8 @@
           <a:p>
             <a:fld id="{6708BAA3-5822-45E3-960E-860173D7D56D}" type="datetime4">
               <a:rPr lang="en-US" smtClean="0"/>
-              <a:t>October 30, 2015</a:t>
+              <a:pPr/>
+              <a:t>October 31, 2015</a:t>
             </a:fld>
             <a:endParaRPr lang="en-US"/>
           </a:p>
@@ -5402,7 +5416,8 @@
           <a:p>
             <a:fld id="{C4571F8A-ED68-4966-A3D4-7EE21E0FEFB4}" type="datetime4">
               <a:rPr lang="en-US" smtClean="0"/>
-              <a:t>October 30, 2015</a:t>
+              <a:pPr/>
+              <a:t>October 31, 2015</a:t>
             </a:fld>
             <a:endParaRPr lang="en-US"/>
           </a:p>
@@ -5427,7 +5442,7 @@
               <a:rPr lang="en-US" smtClean="0"/>
               <a:t>Activestudy.edu.vn - Java Basic </a:t>
             </a:r>
-            <a:endParaRPr lang="en-US" dirty="0"/>
+            <a:endParaRPr lang="en-US"/>
           </a:p>
         </p:txBody>
       </p:sp>
@@ -5497,7 +5512,8 @@
           <a:p>
             <a:fld id="{74BD9678-3DE9-453C-AD0D-A96FC67B6F39}" type="datetime4">
               <a:rPr lang="en-US" smtClean="0"/>
-              <a:t>October 30, 2015</a:t>
+              <a:pPr/>
+              <a:t>October 31, 2015</a:t>
             </a:fld>
             <a:endParaRPr lang="en-US"/>
           </a:p>
@@ -8153,7 +8169,8 @@
           <a:p>
             <a:fld id="{CACC7E41-89A7-46A0-A483-824281376F4D}" type="datetime4">
               <a:rPr lang="en-US" smtClean="0"/>
-              <a:t>October 30, 2015</a:t>
+              <a:pPr/>
+              <a:t>October 31, 2015</a:t>
             </a:fld>
             <a:endParaRPr lang="en-US"/>
           </a:p>
@@ -8388,7 +8405,7 @@
               <a:rPr lang="en-US" smtClean="0"/>
               <a:t>Activestudy.edu.vn - Java Basic </a:t>
             </a:r>
-            <a:endParaRPr lang="en-US" dirty="0"/>
+            <a:endParaRPr lang="en-US"/>
           </a:p>
         </p:txBody>
       </p:sp>
@@ -11278,7 +11295,7 @@
               <a:rPr lang="en-US" smtClean="0"/>
               <a:t>Drag picture to placeholder or click icon to add</a:t>
             </a:r>
-            <a:endParaRPr lang="en-US" dirty="0"/>
+            <a:endParaRPr lang="en-US"/>
           </a:p>
         </p:txBody>
       </p:sp>
@@ -11370,7 +11387,8 @@
           <a:p>
             <a:fld id="{95FD6BB2-5CC6-4990-ABBC-E24B875979A0}" type="datetime4">
               <a:rPr lang="en-US" smtClean="0"/>
-              <a:t>October 30, 2015</a:t>
+              <a:pPr/>
+              <a:t>October 31, 2015</a:t>
             </a:fld>
             <a:endParaRPr lang="en-US"/>
           </a:p>
@@ -11402,7 +11420,7 @@
               <a:rPr lang="en-US" smtClean="0"/>
               <a:t>Activestudy.edu.vn - Java Basic </a:t>
             </a:r>
-            <a:endParaRPr lang="en-US" dirty="0"/>
+            <a:endParaRPr lang="en-US"/>
           </a:p>
         </p:txBody>
       </p:sp>
@@ -14197,7 +14215,8 @@
           <a:p>
             <a:fld id="{502436A0-F3FD-4F63-B719-DA3F132809DB}" type="datetime4">
               <a:rPr lang="en-US" smtClean="0"/>
-              <a:t>October 30, 2015</a:t>
+              <a:pPr/>
+              <a:t>October 31, 2015</a:t>
             </a:fld>
             <a:endParaRPr lang="en-US"/>
           </a:p>
@@ -14238,7 +14257,7 @@
               <a:rPr lang="en-US" smtClean="0"/>
               <a:t>Activestudy.edu.vn - Java Basic </a:t>
             </a:r>
-            <a:endParaRPr lang="en-US" dirty="0"/>
+            <a:endParaRPr lang="en-US"/>
           </a:p>
         </p:txBody>
       </p:sp>
@@ -14674,23 +14693,18 @@
         <p:spPr/>
         <p:txBody>
           <a:bodyPr>
-            <a:normAutofit fontScale="90000"/>
+            <a:normAutofit/>
           </a:bodyPr>
           <a:lstStyle/>
           <a:p>
             <a:r>
-              <a:rPr lang="en-US" dirty="0" smtClean="0"/>
-              <a:t>I</a:t>
-            </a:r>
-            <a:r>
-              <a:rPr lang="en-US" dirty="0" smtClean="0"/>
-              <a:t>nput </a:t>
-            </a:r>
-            <a:r>
-              <a:rPr lang="en-US" dirty="0"/>
+              <a:rPr lang="en-US" smtClean="0"/>
+              <a:t>Input </a:t>
+            </a:r>
+            <a:r>
+              <a:rPr lang="en-US"/>
               <a:t>and Output in Java </a:t>
             </a:r>
-            <a:endParaRPr lang="en-US" dirty="0"/>
           </a:p>
         </p:txBody>
       </p:sp>
@@ -14716,7 +14730,7 @@
           </a:bodyPr>
           <a:lstStyle/>
           <a:p>
-            <a:endParaRPr lang="en-US" sz="1200" dirty="0"/>
+            <a:endParaRPr lang="en-US" sz="1200"/>
           </a:p>
         </p:txBody>
       </p:sp>
@@ -14732,7 +14746,7 @@
           <a:blip r:embed="rId3" cstate="email">
             <a:extLst>
               <a:ext uri="{28A0092B-C50C-407E-A947-70E740481C1C}">
-                <a14:useLocalDpi xmlns:a14="http://schemas.microsoft.com/office/drawing/2010/main" val="0"/>
+                <a14:useLocalDpi xmlns:a14="http://schemas.microsoft.com/office/drawing/2010/main" xmlns="" val="0"/>
               </a:ext>
             </a:extLst>
           </a:blip>
@@ -14753,7 +14767,7 @@
     </p:spTree>
     <p:extLst>
       <p:ext uri="{BB962C8B-B14F-4D97-AF65-F5344CB8AC3E}">
-        <p14:creationId xmlns:p14="http://schemas.microsoft.com/office/powerpoint/2010/main" val="3031484451"/>
+        <p14:creationId xmlns:p14="http://schemas.microsoft.com/office/powerpoint/2010/main" xmlns="" val="3031484451"/>
       </p:ext>
     </p:extLst>
   </p:cSld>
@@ -14763,7 +14777,7 @@
   <p:timing>
     <p:tnLst>
       <p:par>
-        <p:cTn xmlns:p14="http://schemas.microsoft.com/office/powerpoint/2010/main" id="1" dur="indefinite" restart="never" nodeType="tmRoot"/>
+        <p:cTn id="1" dur="indefinite" restart="never" nodeType="tmRoot"/>
       </p:par>
     </p:tnLst>
   </p:timing>
@@ -14805,7 +14819,7 @@
           <a:lstStyle/>
           <a:p>
             <a:r>
-              <a:rPr lang="en-US" dirty="0"/>
+              <a:rPr lang="en-US"/>
               <a:t>Exceptions and Assertions </a:t>
             </a:r>
           </a:p>
@@ -14829,179 +14843,179 @@
           <a:lstStyle/>
           <a:p>
             <a:r>
-              <a:rPr lang="fi-FI" dirty="0"/>
+              <a:rPr lang="fi-FI"/>
               <a:t>1. </a:t>
             </a:r>
             <a:r>
-              <a:rPr lang="fi-FI" dirty="0" err="1"/>
+              <a:rPr lang="fi-FI" err="1"/>
               <a:t>Handling</a:t>
             </a:r>
             <a:r>
-              <a:rPr lang="fi-FI" dirty="0"/>
+              <a:rPr lang="fi-FI"/>
               <a:t> </a:t>
             </a:r>
             <a:r>
-              <a:rPr lang="fi-FI" dirty="0" err="1"/>
+              <a:rPr lang="fi-FI" err="1"/>
               <a:t>Files</a:t>
             </a:r>
             <a:r>
-              <a:rPr lang="fi-FI" dirty="0"/>
+              <a:rPr lang="fi-FI"/>
               <a:t> in </a:t>
             </a:r>
             <a:r>
-              <a:rPr lang="fi-FI" dirty="0" err="1"/>
+              <a:rPr lang="fi-FI" err="1"/>
               <a:t>java</a:t>
             </a:r>
-            <a:endParaRPr lang="fi-FI" dirty="0"/>
+            <a:endParaRPr lang="fi-FI"/>
           </a:p>
           <a:p>
             <a:pPr lvl="1"/>
             <a:r>
-              <a:rPr lang="en-US" dirty="0" smtClean="0"/>
+              <a:rPr lang="en-US" smtClean="0"/>
               <a:t>Understanding </a:t>
             </a:r>
             <a:r>
-              <a:rPr lang="en-US" dirty="0"/>
+              <a:rPr lang="en-US"/>
               <a:t>the file class</a:t>
             </a:r>
           </a:p>
           <a:p>
             <a:pPr lvl="1"/>
             <a:r>
-              <a:rPr lang="en-US" dirty="0" smtClean="0"/>
+              <a:rPr lang="en-US" smtClean="0"/>
               <a:t>Navigating </a:t>
             </a:r>
             <a:r>
-              <a:rPr lang="en-US" dirty="0"/>
+              <a:rPr lang="en-US"/>
               <a:t>the File System</a:t>
             </a:r>
           </a:p>
           <a:p>
             <a:r>
-              <a:rPr lang="sv-SE" dirty="0"/>
+              <a:rPr lang="sv-SE"/>
               <a:t>2. </a:t>
             </a:r>
             <a:r>
-              <a:rPr lang="sv-SE" dirty="0" err="1"/>
+              <a:rPr lang="sv-SE" err="1"/>
               <a:t>Understanding</a:t>
             </a:r>
             <a:r>
-              <a:rPr lang="sv-SE" dirty="0"/>
+              <a:rPr lang="sv-SE"/>
               <a:t> </a:t>
             </a:r>
             <a:r>
-              <a:rPr lang="sv-SE" dirty="0" err="1"/>
+              <a:rPr lang="sv-SE" err="1"/>
               <a:t>Streams</a:t>
             </a:r>
-            <a:endParaRPr lang="sv-SE" dirty="0"/>
+            <a:endParaRPr lang="sv-SE"/>
           </a:p>
           <a:p>
             <a:pPr lvl="1"/>
             <a:r>
-              <a:rPr lang="en-US" dirty="0" smtClean="0"/>
+              <a:rPr lang="en-US" smtClean="0"/>
               <a:t>The </a:t>
             </a:r>
             <a:r>
-              <a:rPr lang="en-US" dirty="0"/>
+              <a:rPr lang="en-US"/>
               <a:t>Low-Level Streams</a:t>
             </a:r>
           </a:p>
           <a:p>
             <a:pPr lvl="1"/>
             <a:r>
-              <a:rPr lang="en-US" dirty="0" smtClean="0"/>
+              <a:rPr lang="en-US" smtClean="0"/>
               <a:t>The </a:t>
             </a:r>
             <a:r>
-              <a:rPr lang="en-US" dirty="0"/>
+              <a:rPr lang="en-US"/>
               <a:t>High-Level Streams</a:t>
             </a:r>
           </a:p>
           <a:p>
             <a:r>
-              <a:rPr lang="en-US" dirty="0"/>
+              <a:rPr lang="en-US"/>
               <a:t>3. Readers and Writers</a:t>
             </a:r>
           </a:p>
           <a:p>
             <a:pPr lvl="1"/>
             <a:r>
-              <a:rPr lang="en-US" dirty="0" smtClean="0"/>
+              <a:rPr lang="en-US" smtClean="0"/>
               <a:t>Low</a:t>
             </a:r>
             <a:r>
-              <a:rPr lang="en-US" dirty="0"/>
+              <a:rPr lang="en-US"/>
               <a:t>-Level Readers and Writers</a:t>
             </a:r>
           </a:p>
           <a:p>
             <a:pPr lvl="1"/>
             <a:r>
-              <a:rPr lang="en-US" dirty="0" smtClean="0"/>
+              <a:rPr lang="en-US" smtClean="0"/>
               <a:t>High</a:t>
             </a:r>
             <a:r>
-              <a:rPr lang="en-US" dirty="0"/>
+              <a:rPr lang="en-US"/>
               <a:t>-Level Readers and Writers</a:t>
             </a:r>
           </a:p>
           <a:p>
             <a:r>
-              <a:rPr lang="en-US" dirty="0"/>
+              <a:rPr lang="en-US"/>
               <a:t>4. Exceptions During I/O </a:t>
             </a:r>
             <a:r>
-              <a:rPr lang="en-US" dirty="0" err="1"/>
+              <a:rPr lang="en-US" err="1"/>
               <a:t>Perations</a:t>
             </a:r>
-            <a:endParaRPr lang="en-US" dirty="0"/>
+            <a:endParaRPr lang="en-US"/>
           </a:p>
           <a:p>
             <a:r>
-              <a:rPr lang="en-US" dirty="0"/>
+              <a:rPr lang="en-US"/>
               <a:t>5. Object Streams and Serialization</a:t>
             </a:r>
           </a:p>
           <a:p>
             <a:pPr lvl="1"/>
             <a:r>
-              <a:rPr lang="en-US" dirty="0" smtClean="0"/>
+              <a:rPr lang="en-US" smtClean="0"/>
               <a:t>Writing </a:t>
             </a:r>
             <a:r>
-              <a:rPr lang="en-US" dirty="0"/>
+              <a:rPr lang="en-US"/>
               <a:t>with </a:t>
             </a:r>
             <a:r>
-              <a:rPr lang="en-US" dirty="0" err="1"/>
+              <a:rPr lang="en-US" err="1"/>
               <a:t>ObjectOutputStream</a:t>
             </a:r>
-            <a:endParaRPr lang="en-US" dirty="0"/>
+            <a:endParaRPr lang="en-US"/>
           </a:p>
           <a:p>
             <a:pPr lvl="1"/>
             <a:r>
-              <a:rPr lang="en-US" dirty="0" smtClean="0"/>
+              <a:rPr lang="en-US" smtClean="0"/>
               <a:t>Reading </a:t>
             </a:r>
             <a:r>
-              <a:rPr lang="en-US" dirty="0"/>
+              <a:rPr lang="en-US"/>
               <a:t>with </a:t>
             </a:r>
             <a:r>
-              <a:rPr lang="en-US" dirty="0" err="1"/>
+              <a:rPr lang="en-US" err="1"/>
               <a:t>ObjectInputStream</a:t>
             </a:r>
-            <a:endParaRPr lang="en-US" dirty="0"/>
+            <a:endParaRPr lang="en-US"/>
           </a:p>
           <a:p>
-            <a:endParaRPr lang="en-US" dirty="0"/>
+            <a:endParaRPr lang="en-US"/>
           </a:p>
           <a:p>
-            <a:endParaRPr lang="en-US" dirty="0"/>
+            <a:endParaRPr lang="en-US"/>
           </a:p>
           <a:p>
-            <a:endParaRPr lang="en-US" dirty="0"/>
+            <a:endParaRPr lang="en-US"/>
           </a:p>
         </p:txBody>
       </p:sp>
@@ -15031,7 +15045,7 @@
     </p:spTree>
     <p:extLst>
       <p:ext uri="{BB962C8B-B14F-4D97-AF65-F5344CB8AC3E}">
-        <p14:creationId xmlns:p14="http://schemas.microsoft.com/office/powerpoint/2010/main" val="2440980693"/>
+        <p14:creationId xmlns:p14="http://schemas.microsoft.com/office/powerpoint/2010/main" xmlns="" val="2440980693"/>
       </p:ext>
     </p:extLst>
   </p:cSld>
@@ -15074,18 +15088,18 @@
           <a:lstStyle/>
           <a:p>
             <a:r>
-              <a:rPr lang="en-US" dirty="0" err="1" smtClean="0"/>
+              <a:rPr lang="en-US" err="1" smtClean="0"/>
               <a:t>Phân</a:t>
             </a:r>
             <a:r>
-              <a:rPr lang="en-US" dirty="0" smtClean="0"/>
+              <a:rPr lang="en-US" smtClean="0"/>
               <a:t> </a:t>
             </a:r>
             <a:r>
-              <a:rPr lang="en-US" dirty="0" err="1" smtClean="0"/>
+              <a:rPr lang="en-US" err="1" smtClean="0"/>
               <a:t>nhóm</a:t>
             </a:r>
-            <a:endParaRPr lang="en-US" dirty="0"/>
+            <a:endParaRPr lang="en-US"/>
           </a:p>
         </p:txBody>
       </p:sp>
@@ -15105,78 +15119,66 @@
           <a:lstStyle/>
           <a:p>
             <a:r>
-              <a:rPr lang="vi-VN" dirty="0"/>
+              <a:rPr lang="vi-VN"/>
               <a:t>Nhóm 1: </a:t>
             </a:r>
             <a:r>
-              <a:rPr lang="vi-VN" dirty="0" smtClean="0"/>
+              <a:rPr lang="vi-VN" smtClean="0"/>
               <a:t>Nguyễn Dầu </a:t>
             </a:r>
             <a:r>
-              <a:rPr lang="vi-VN" dirty="0"/>
+              <a:rPr lang="vi-VN"/>
               <a:t/>
             </a:r>
             <a:br>
-              <a:rPr lang="vi-VN" dirty="0"/>
+              <a:rPr lang="vi-VN"/>
             </a:br>
             <a:r>
-              <a:rPr lang="vi-VN" dirty="0"/>
+              <a:rPr lang="vi-VN"/>
               <a:t>Nhóm 2: Nguyễn Hải Đăng </a:t>
             </a:r>
             <a:br>
-              <a:rPr lang="vi-VN" dirty="0"/>
+              <a:rPr lang="vi-VN"/>
             </a:br>
             <a:r>
-              <a:rPr lang="vi-VN" dirty="0"/>
+              <a:rPr lang="vi-VN"/>
               <a:t>Nhóm 3: </a:t>
             </a:r>
             <a:r>
-              <a:rPr lang="vi-VN" dirty="0" smtClean="0"/>
-              <a:t>Đào Hiệp</a:t>
-            </a:r>
-            <a:r>
-              <a:rPr lang="vi-VN" dirty="0" smtClean="0"/>
-              <a:t>, </a:t>
-            </a:r>
-            <a:r>
-              <a:rPr lang="vi-VN" dirty="0" smtClean="0"/>
-              <a:t>Tôn Thuận</a:t>
-            </a:r>
-            <a:r>
-              <a:rPr lang="vi-VN" dirty="0"/>
+              <a:rPr lang="vi-VN" smtClean="0"/>
+              <a:t>Đào Hiệp, Tôn Thuận</a:t>
+            </a:r>
+            <a:r>
+              <a:rPr lang="vi-VN"/>
               <a:t/>
             </a:r>
             <a:br>
-              <a:rPr lang="vi-VN" dirty="0"/>
+              <a:rPr lang="vi-VN"/>
             </a:br>
             <a:r>
-              <a:rPr lang="vi-VN" dirty="0"/>
+              <a:rPr lang="vi-VN"/>
               <a:t>Nhóm 4: </a:t>
             </a:r>
             <a:r>
-              <a:rPr lang="vi-VN" dirty="0" smtClean="0"/>
+              <a:rPr lang="vi-VN" smtClean="0"/>
               <a:t>Đinh Trọng Tuyên , Vũ Công Luận </a:t>
             </a:r>
             <a:r>
-              <a:rPr lang="vi-VN" dirty="0"/>
+              <a:rPr lang="vi-VN"/>
               <a:t/>
             </a:r>
             <a:br>
-              <a:rPr lang="vi-VN" dirty="0"/>
+              <a:rPr lang="vi-VN"/>
             </a:br>
             <a:r>
-              <a:rPr lang="vi-VN" dirty="0"/>
+              <a:rPr lang="vi-VN"/>
               <a:t>Nhóm 5: </a:t>
             </a:r>
             <a:r>
-              <a:rPr lang="vi-VN" dirty="0" smtClean="0"/>
-              <a:t>Thành Đạt, </a:t>
-            </a:r>
-            <a:r>
-              <a:rPr lang="vi-VN" dirty="0" smtClean="0"/>
-              <a:t>Thái</a:t>
-            </a:r>
-            <a:endParaRPr lang="en-US" dirty="0"/>
+              <a:rPr lang="vi-VN" smtClean="0"/>
+              <a:t>Thành Đạt, Thái</a:t>
+            </a:r>
+            <a:endParaRPr lang="en-US"/>
           </a:p>
         </p:txBody>
       </p:sp>
@@ -15206,7 +15208,7 @@
     </p:spTree>
     <p:extLst>
       <p:ext uri="{BB962C8B-B14F-4D97-AF65-F5344CB8AC3E}">
-        <p14:creationId xmlns:p14="http://schemas.microsoft.com/office/powerpoint/2010/main" val="2445837090"/>
+        <p14:creationId xmlns:p14="http://schemas.microsoft.com/office/powerpoint/2010/main" xmlns="" val="2445837090"/>
       </p:ext>
     </p:extLst>
   </p:cSld>
@@ -15251,26 +15253,26 @@
           <a:lstStyle/>
           <a:p>
             <a:r>
-              <a:rPr lang="en-US" dirty="0" err="1" smtClean="0"/>
+              <a:rPr lang="en-US" err="1" smtClean="0"/>
               <a:t>Nội</a:t>
             </a:r>
             <a:r>
-              <a:rPr lang="en-US" dirty="0" smtClean="0"/>
+              <a:rPr lang="en-US" smtClean="0"/>
               <a:t> dung </a:t>
             </a:r>
             <a:r>
-              <a:rPr lang="en-US" dirty="0" err="1" smtClean="0"/>
+              <a:rPr lang="en-US" err="1" smtClean="0"/>
               <a:t>phân</a:t>
             </a:r>
             <a:r>
-              <a:rPr lang="en-US" dirty="0" smtClean="0"/>
+              <a:rPr lang="en-US" smtClean="0"/>
               <a:t> </a:t>
             </a:r>
             <a:r>
-              <a:rPr lang="en-US" dirty="0" err="1" smtClean="0"/>
+              <a:rPr lang="en-US" err="1" smtClean="0"/>
               <a:t>nhóm</a:t>
             </a:r>
-            <a:endParaRPr lang="en-US" dirty="0"/>
+            <a:endParaRPr lang="en-US"/>
           </a:p>
         </p:txBody>
       </p:sp>
@@ -15292,126 +15294,123 @@
           <a:lstStyle/>
           <a:p>
             <a:r>
-              <a:rPr lang="en-US" sz="1600" dirty="0" err="1"/>
+              <a:rPr lang="en-US" sz="1600" err="1"/>
               <a:t>Nhóm</a:t>
             </a:r>
             <a:r>
-              <a:rPr lang="en-US" sz="1600" dirty="0"/>
+              <a:rPr lang="en-US" sz="1600"/>
               <a:t> 1: </a:t>
             </a:r>
             <a:r>
-              <a:rPr lang="fi-FI" sz="1600" dirty="0" err="1"/>
+              <a:rPr lang="fi-FI" sz="1600" err="1"/>
               <a:t>Handling</a:t>
             </a:r>
             <a:r>
-              <a:rPr lang="fi-FI" sz="1600" dirty="0"/>
+              <a:rPr lang="fi-FI" sz="1600"/>
               <a:t> </a:t>
             </a:r>
             <a:r>
-              <a:rPr lang="fi-FI" sz="1600" dirty="0" err="1"/>
+              <a:rPr lang="fi-FI" sz="1600" err="1"/>
               <a:t>Files</a:t>
             </a:r>
             <a:r>
-              <a:rPr lang="fi-FI" sz="1600" dirty="0"/>
+              <a:rPr lang="fi-FI" sz="1600"/>
               <a:t> in </a:t>
             </a:r>
             <a:r>
-              <a:rPr lang="fi-FI" sz="1600" dirty="0" err="1"/>
+              <a:rPr lang="fi-FI" sz="1600" err="1"/>
               <a:t>java</a:t>
             </a:r>
             <a:r>
-              <a:rPr lang="en-US" sz="1600" b="1" dirty="0" smtClean="0"/>
+              <a:rPr lang="en-US" sz="1600" b="1" smtClean="0"/>
               <a:t> </a:t>
             </a:r>
-            <a:endParaRPr lang="en-US" sz="1600" dirty="0" smtClean="0"/>
+            <a:endParaRPr lang="en-US" sz="1600" smtClean="0"/>
           </a:p>
           <a:p>
             <a:r>
-              <a:rPr lang="en-US" sz="1600" dirty="0" err="1" smtClean="0"/>
+              <a:rPr lang="en-US" sz="1600" err="1" smtClean="0"/>
               <a:t>Nhóm</a:t>
             </a:r>
             <a:r>
-              <a:rPr lang="en-US" sz="1600" dirty="0" smtClean="0"/>
+              <a:rPr lang="en-US" sz="1600" smtClean="0"/>
               <a:t> 2: </a:t>
             </a:r>
             <a:r>
-              <a:rPr lang="sv-SE" sz="1600" dirty="0" err="1"/>
+              <a:rPr lang="sv-SE" sz="1600" noProof="1" smtClean="0"/>
               <a:t>Understanding</a:t>
             </a:r>
             <a:r>
-              <a:rPr lang="sv-SE" sz="1600" dirty="0"/>
+              <a:rPr lang="sv-SE" sz="1600" smtClean="0"/>
               <a:t> </a:t>
             </a:r>
             <a:r>
-              <a:rPr lang="sv-SE" sz="1600" dirty="0" err="1"/>
+              <a:rPr lang="sv-SE" sz="1600" err="1"/>
               <a:t>Streams</a:t>
             </a:r>
-            <a:endParaRPr lang="en-US" sz="1600" dirty="0" smtClean="0"/>
+            <a:endParaRPr lang="en-US" sz="1600" smtClean="0"/>
           </a:p>
           <a:p>
             <a:r>
-              <a:rPr lang="en-US" sz="1600" dirty="0" err="1" smtClean="0"/>
+              <a:rPr lang="en-US" sz="1600" err="1" smtClean="0"/>
               <a:t>Nhóm</a:t>
             </a:r>
             <a:r>
-              <a:rPr lang="en-US" sz="1600" dirty="0" smtClean="0"/>
+              <a:rPr lang="en-US" sz="1600" smtClean="0"/>
               <a:t> </a:t>
             </a:r>
             <a:r>
-              <a:rPr lang="en-US" sz="1600" dirty="0"/>
-              <a:t>3: </a:t>
-            </a:r>
-            <a:r>
-              <a:rPr lang="en-US" sz="1600" dirty="0"/>
-              <a:t>Low-Level Readers and Writers</a:t>
-            </a:r>
-            <a:endParaRPr lang="en-US" sz="1600" dirty="0"/>
+              <a:rPr lang="en-US" sz="1600"/>
+              <a:t>3: Low-Level Readers and Writers</a:t>
+            </a:r>
           </a:p>
           <a:p>
             <a:r>
-              <a:rPr lang="en-US" sz="1600" dirty="0" err="1"/>
+              <a:rPr lang="en-US" sz="1600" err="1"/>
               <a:t>Nhóm</a:t>
             </a:r>
             <a:r>
-              <a:rPr lang="en-US" sz="1600" dirty="0"/>
-              <a:t> 4: </a:t>
-            </a:r>
-            <a:r>
-              <a:rPr lang="en-US" sz="1600" dirty="0"/>
-              <a:t>High-Level Readers and Writers</a:t>
-            </a:r>
-            <a:endParaRPr lang="en-US" sz="1600" dirty="0"/>
+              <a:rPr lang="en-US" sz="1600"/>
+              <a:t> 4: High-Level Readers and Writers</a:t>
+            </a:r>
           </a:p>
           <a:p>
             <a:r>
-              <a:rPr lang="en-US" sz="1600" dirty="0" err="1"/>
+              <a:rPr lang="en-US" sz="1600" err="1"/>
               <a:t>Nhóm</a:t>
             </a:r>
             <a:r>
-              <a:rPr lang="en-US" sz="1600" dirty="0"/>
+              <a:rPr lang="en-US" sz="1600"/>
               <a:t> 5</a:t>
             </a:r>
             <a:r>
-              <a:rPr lang="en-US" sz="1600" dirty="0" smtClean="0"/>
+              <a:rPr lang="en-US" sz="1600" smtClean="0"/>
               <a:t>:</a:t>
             </a:r>
             <a:r>
-              <a:rPr lang="en-US" sz="1600" dirty="0"/>
-              <a:t>Exceptions During I/O </a:t>
-            </a:r>
-            <a:r>
-              <a:rPr lang="en-US" sz="1600" dirty="0" err="1" smtClean="0"/>
+              <a:rPr lang="vi-VN" sz="1600" smtClean="0"/>
+              <a:t> </a:t>
+            </a:r>
+            <a:r>
+              <a:rPr lang="en-US" sz="1600" smtClean="0"/>
+              <a:t>Exceptions </a:t>
+            </a:r>
+            <a:r>
+              <a:rPr lang="en-US" sz="1600"/>
+              <a:t>During I/O </a:t>
+            </a:r>
+            <a:r>
+              <a:rPr lang="en-US" sz="1600" err="1" smtClean="0"/>
               <a:t>Perations</a:t>
             </a:r>
             <a:r>
-              <a:rPr lang="en-US" sz="1600" dirty="0" smtClean="0"/>
+              <a:rPr lang="en-US" sz="1600" smtClean="0"/>
               <a:t> &amp; </a:t>
             </a:r>
             <a:r>
-              <a:rPr lang="en-US" sz="1600" dirty="0"/>
+              <a:rPr lang="en-US" sz="1600"/>
               <a:t>Object Streams and Serialization</a:t>
             </a:r>
-            <a:endParaRPr lang="en-US" sz="1600" dirty="0"/>
           </a:p>
           <a:p>
             <a:pPr>
@@ -15419,7 +15418,7 @@
               <a:buChar char="è"/>
             </a:pPr>
             <a:r>
-              <a:rPr lang="en-US" sz="1600" dirty="0" err="1" smtClean="0">
+              <a:rPr lang="en-US" sz="1600" err="1" smtClean="0">
                 <a:solidFill>
                   <a:srgbClr val="FF0000"/>
                 </a:solidFill>
@@ -15427,7 +15426,7 @@
               <a:t>Chú</a:t>
             </a:r>
             <a:r>
-              <a:rPr lang="en-US" sz="1600" dirty="0" smtClean="0">
+              <a:rPr lang="en-US" sz="1600" smtClean="0">
                 <a:solidFill>
                   <a:srgbClr val="FF0000"/>
                 </a:solidFill>
@@ -15441,7 +15440,7 @@
               <a:buChar char="è"/>
             </a:pPr>
             <a:r>
-              <a:rPr lang="en-US" sz="1400" i="1" dirty="0" err="1" smtClean="0">
+              <a:rPr lang="en-US" sz="1400" i="1" err="1" smtClean="0">
                 <a:solidFill>
                   <a:srgbClr val="0070C0"/>
                 </a:solidFill>
@@ -15449,7 +15448,7 @@
               <a:t>Mỗi</a:t>
             </a:r>
             <a:r>
-              <a:rPr lang="en-US" sz="1400" i="1" dirty="0" smtClean="0">
+              <a:rPr lang="en-US" sz="1400" i="1" smtClean="0">
                 <a:solidFill>
                   <a:srgbClr val="0070C0"/>
                 </a:solidFill>
@@ -15457,7 +15456,7 @@
               <a:t> </a:t>
             </a:r>
             <a:r>
-              <a:rPr lang="en-US" sz="1400" i="1" dirty="0" err="1" smtClean="0">
+              <a:rPr lang="en-US" sz="1400" i="1" err="1" smtClean="0">
                 <a:solidFill>
                   <a:srgbClr val="0070C0"/>
                 </a:solidFill>
@@ -15465,7 +15464,7 @@
               <a:t>phần</a:t>
             </a:r>
             <a:r>
-              <a:rPr lang="en-US" sz="1400" i="1" dirty="0" smtClean="0">
+              <a:rPr lang="en-US" sz="1400" i="1" smtClean="0">
                 <a:solidFill>
                   <a:srgbClr val="0070C0"/>
                 </a:solidFill>
@@ -15473,7 +15472,7 @@
               <a:t> </a:t>
             </a:r>
             <a:r>
-              <a:rPr lang="en-US" sz="1400" i="1" dirty="0" err="1" smtClean="0">
+              <a:rPr lang="en-US" sz="1400" i="1" err="1" smtClean="0">
                 <a:solidFill>
                   <a:srgbClr val="0070C0"/>
                 </a:solidFill>
@@ -15481,7 +15480,7 @@
               <a:t>trình</a:t>
             </a:r>
             <a:r>
-              <a:rPr lang="en-US" sz="1400" i="1" dirty="0" smtClean="0">
+              <a:rPr lang="en-US" sz="1400" i="1" smtClean="0">
                 <a:solidFill>
                   <a:srgbClr val="0070C0"/>
                 </a:solidFill>
@@ -15489,7 +15488,7 @@
               <a:t> </a:t>
             </a:r>
             <a:r>
-              <a:rPr lang="en-US" sz="1400" i="1" dirty="0" err="1" smtClean="0">
+              <a:rPr lang="en-US" sz="1400" i="1" err="1" smtClean="0">
                 <a:solidFill>
                   <a:srgbClr val="0070C0"/>
                 </a:solidFill>
@@ -15497,7 +15496,7 @@
               <a:t>bày</a:t>
             </a:r>
             <a:r>
-              <a:rPr lang="en-US" sz="1400" i="1" dirty="0" smtClean="0">
+              <a:rPr lang="en-US" sz="1400" i="1" smtClean="0">
                 <a:solidFill>
                   <a:srgbClr val="0070C0"/>
                 </a:solidFill>
@@ -15505,7 +15504,7 @@
               <a:t> </a:t>
             </a:r>
             <a:r>
-              <a:rPr lang="en-US" sz="1400" i="1" dirty="0" err="1" smtClean="0">
+              <a:rPr lang="en-US" sz="1400" i="1" err="1" smtClean="0">
                 <a:solidFill>
                   <a:srgbClr val="0070C0"/>
                 </a:solidFill>
@@ -15513,7 +15512,7 @@
               <a:t>lý</a:t>
             </a:r>
             <a:r>
-              <a:rPr lang="en-US" sz="1400" i="1" dirty="0" smtClean="0">
+              <a:rPr lang="en-US" sz="1400" i="1" smtClean="0">
                 <a:solidFill>
                   <a:srgbClr val="0070C0"/>
                 </a:solidFill>
@@ -15521,7 +15520,7 @@
               <a:t> </a:t>
             </a:r>
             <a:r>
-              <a:rPr lang="en-US" sz="1400" i="1" dirty="0" err="1" smtClean="0">
+              <a:rPr lang="en-US" sz="1400" i="1" err="1" smtClean="0">
                 <a:solidFill>
                   <a:srgbClr val="0070C0"/>
                 </a:solidFill>
@@ -15529,7 +15528,7 @@
               <a:t>thuyết</a:t>
             </a:r>
             <a:r>
-              <a:rPr lang="en-US" sz="1400" i="1" dirty="0" smtClean="0">
+              <a:rPr lang="en-US" sz="1400" i="1" smtClean="0">
                 <a:solidFill>
                   <a:srgbClr val="0070C0"/>
                 </a:solidFill>
@@ -15537,7 +15536,7 @@
               <a:t> </a:t>
             </a:r>
             <a:r>
-              <a:rPr lang="en-US" sz="1400" i="1" dirty="0" err="1" smtClean="0">
+              <a:rPr lang="en-US" sz="1400" i="1" err="1" smtClean="0">
                 <a:solidFill>
                   <a:srgbClr val="0070C0"/>
                 </a:solidFill>
@@ -15545,7 +15544,7 @@
               <a:t>cần</a:t>
             </a:r>
             <a:r>
-              <a:rPr lang="en-US" sz="1400" i="1" dirty="0" smtClean="0">
+              <a:rPr lang="en-US" sz="1400" i="1" smtClean="0">
                 <a:solidFill>
                   <a:srgbClr val="0070C0"/>
                 </a:solidFill>
@@ -15553,7 +15552,7 @@
               <a:t> </a:t>
             </a:r>
             <a:r>
-              <a:rPr lang="en-US" sz="1400" i="1" dirty="0" err="1" smtClean="0">
+              <a:rPr lang="en-US" sz="1400" i="1" err="1" smtClean="0">
                 <a:solidFill>
                   <a:srgbClr val="0070C0"/>
                 </a:solidFill>
@@ -15561,7 +15560,7 @@
               <a:t>có</a:t>
             </a:r>
             <a:r>
-              <a:rPr lang="en-US" sz="1400" i="1" dirty="0" smtClean="0">
+              <a:rPr lang="en-US" sz="1400" i="1" smtClean="0">
                 <a:solidFill>
                   <a:srgbClr val="0070C0"/>
                 </a:solidFill>
@@ -15569,7 +15568,7 @@
               <a:t> demo </a:t>
             </a:r>
             <a:r>
-              <a:rPr lang="en-US" sz="1400" i="1" dirty="0" err="1" smtClean="0">
+              <a:rPr lang="en-US" sz="1400" i="1" err="1" smtClean="0">
                 <a:solidFill>
                   <a:srgbClr val="0070C0"/>
                 </a:solidFill>
@@ -15577,7 +15576,7 @@
               <a:t>về</a:t>
             </a:r>
             <a:r>
-              <a:rPr lang="en-US" sz="1400" i="1" dirty="0" smtClean="0">
+              <a:rPr lang="en-US" sz="1400" i="1" smtClean="0">
                 <a:solidFill>
                   <a:srgbClr val="0070C0"/>
                 </a:solidFill>
@@ -15585,7 +15584,7 @@
               <a:t> code </a:t>
             </a:r>
             <a:r>
-              <a:rPr lang="en-US" sz="1400" i="1" dirty="0" err="1" smtClean="0">
+              <a:rPr lang="en-US" sz="1400" i="1" err="1" smtClean="0">
                 <a:solidFill>
                   <a:srgbClr val="0070C0"/>
                 </a:solidFill>
@@ -15593,7 +15592,7 @@
               <a:t>hoặc</a:t>
             </a:r>
             <a:r>
-              <a:rPr lang="en-US" sz="1400" i="1" dirty="0" smtClean="0">
+              <a:rPr lang="en-US" sz="1400" i="1" smtClean="0">
                 <a:solidFill>
                   <a:srgbClr val="0070C0"/>
                 </a:solidFill>
@@ -15601,7 +15600,7 @@
               <a:t> </a:t>
             </a:r>
             <a:r>
-              <a:rPr lang="en-US" sz="1400" i="1" dirty="0" err="1" smtClean="0">
+              <a:rPr lang="en-US" sz="1400" i="1" err="1" smtClean="0">
                 <a:solidFill>
                   <a:srgbClr val="0070C0"/>
                 </a:solidFill>
@@ -15609,7 +15608,7 @@
               <a:t>dẫn</a:t>
             </a:r>
             <a:r>
-              <a:rPr lang="en-US" sz="1400" i="1" dirty="0" smtClean="0">
+              <a:rPr lang="en-US" sz="1400" i="1" smtClean="0">
                 <a:solidFill>
                   <a:srgbClr val="0070C0"/>
                 </a:solidFill>
@@ -15617,7 +15616,7 @@
               <a:t> </a:t>
             </a:r>
             <a:r>
-              <a:rPr lang="en-US" sz="1400" i="1" dirty="0" err="1" smtClean="0">
+              <a:rPr lang="en-US" sz="1400" i="1" err="1" smtClean="0">
                 <a:solidFill>
                   <a:srgbClr val="0070C0"/>
                 </a:solidFill>
@@ -15625,7 +15624,7 @@
               <a:t>chứng</a:t>
             </a:r>
             <a:r>
-              <a:rPr lang="en-US" sz="1400" i="1" dirty="0" smtClean="0">
+              <a:rPr lang="en-US" sz="1400" i="1" smtClean="0">
                 <a:solidFill>
                   <a:srgbClr val="0070C0"/>
                 </a:solidFill>
@@ -15633,7 +15632,7 @@
               <a:t> minh </a:t>
             </a:r>
             <a:r>
-              <a:rPr lang="en-US" sz="1400" i="1" dirty="0" err="1" smtClean="0">
+              <a:rPr lang="en-US" sz="1400" i="1" err="1" smtClean="0">
                 <a:solidFill>
                   <a:srgbClr val="0070C0"/>
                 </a:solidFill>
@@ -15641,7 +15640,7 @@
               <a:t>họa</a:t>
             </a:r>
             <a:r>
-              <a:rPr lang="en-US" sz="1400" i="1" dirty="0" smtClean="0">
+              <a:rPr lang="en-US" sz="1400" i="1" smtClean="0">
                 <a:solidFill>
                   <a:srgbClr val="0070C0"/>
                 </a:solidFill>
@@ -15649,7 +15648,7 @@
               <a:t> </a:t>
             </a:r>
             <a:r>
-              <a:rPr lang="en-US" sz="1400" i="1" dirty="0" err="1" smtClean="0">
+              <a:rPr lang="en-US" sz="1400" i="1" err="1" smtClean="0">
                 <a:solidFill>
                   <a:srgbClr val="0070C0"/>
                 </a:solidFill>
@@ -15657,7 +15656,7 @@
               <a:t>đi</a:t>
             </a:r>
             <a:r>
-              <a:rPr lang="en-US" sz="1400" i="1" dirty="0" smtClean="0">
+              <a:rPr lang="en-US" sz="1400" i="1" smtClean="0">
                 <a:solidFill>
                   <a:srgbClr val="0070C0"/>
                 </a:solidFill>
@@ -15665,7 +15664,7 @@
               <a:t> </a:t>
             </a:r>
             <a:r>
-              <a:rPr lang="en-US" sz="1400" i="1" dirty="0" err="1" smtClean="0">
+              <a:rPr lang="en-US" sz="1400" i="1" err="1" smtClean="0">
                 <a:solidFill>
                   <a:srgbClr val="0070C0"/>
                 </a:solidFill>
@@ -15673,14 +15672,14 @@
               <a:t>kèm</a:t>
             </a:r>
             <a:r>
-              <a:rPr lang="en-US" sz="1400" i="1" dirty="0">
+              <a:rPr lang="en-US" sz="1400" i="1">
                 <a:solidFill>
                   <a:srgbClr val="0070C0"/>
                 </a:solidFill>
               </a:rPr>
               <a:t>.</a:t>
             </a:r>
-            <a:endParaRPr lang="en-US" sz="1400" i="1" dirty="0" smtClean="0">
+            <a:endParaRPr lang="en-US" sz="1400" i="1" smtClean="0">
               <a:solidFill>
                 <a:srgbClr val="0070C0"/>
               </a:solidFill>
@@ -15692,7 +15691,7 @@
               <a:buChar char="è"/>
             </a:pPr>
             <a:r>
-              <a:rPr lang="en-US" sz="1400" i="1" dirty="0" err="1" smtClean="0">
+              <a:rPr lang="en-US" sz="1400" i="1" err="1" smtClean="0">
                 <a:solidFill>
                   <a:srgbClr val="0070C0"/>
                 </a:solidFill>
@@ -15700,7 +15699,7 @@
               <a:t>Mọi</a:t>
             </a:r>
             <a:r>
-              <a:rPr lang="en-US" sz="1400" i="1" dirty="0" smtClean="0">
+              <a:rPr lang="en-US" sz="1400" i="1" smtClean="0">
                 <a:solidFill>
                   <a:srgbClr val="0070C0"/>
                 </a:solidFill>
@@ -15708,7 +15707,7 @@
               <a:t> </a:t>
             </a:r>
             <a:r>
-              <a:rPr lang="en-US" sz="1400" i="1" dirty="0" err="1" smtClean="0">
+              <a:rPr lang="en-US" sz="1400" i="1" err="1" smtClean="0">
                 <a:solidFill>
                   <a:srgbClr val="0070C0"/>
                 </a:solidFill>
@@ -15716,7 +15715,7 @@
               <a:t>người</a:t>
             </a:r>
             <a:r>
-              <a:rPr lang="en-US" sz="1400" i="1" dirty="0" smtClean="0">
+              <a:rPr lang="en-US" sz="1400" i="1" smtClean="0">
                 <a:solidFill>
                   <a:srgbClr val="0070C0"/>
                 </a:solidFill>
@@ -15724,7 +15723,7 @@
               <a:t> </a:t>
             </a:r>
             <a:r>
-              <a:rPr lang="en-US" sz="1400" i="1" dirty="0" err="1" smtClean="0">
+              <a:rPr lang="en-US" sz="1400" i="1" err="1" smtClean="0">
                 <a:solidFill>
                   <a:srgbClr val="0070C0"/>
                 </a:solidFill>
@@ -15732,7 +15731,7 @@
               <a:t>cần</a:t>
             </a:r>
             <a:r>
-              <a:rPr lang="en-US" sz="1400" i="1" dirty="0" smtClean="0">
+              <a:rPr lang="en-US" sz="1400" i="1" smtClean="0">
                 <a:solidFill>
                   <a:srgbClr val="0070C0"/>
                 </a:solidFill>
@@ -15740,7 +15739,7 @@
               <a:t> </a:t>
             </a:r>
             <a:r>
-              <a:rPr lang="en-US" sz="1400" i="1" dirty="0" err="1" smtClean="0">
+              <a:rPr lang="en-US" sz="1400" i="1" err="1" smtClean="0">
                 <a:solidFill>
                   <a:srgbClr val="0070C0"/>
                 </a:solidFill>
@@ -15748,7 +15747,7 @@
               <a:t>đọc</a:t>
             </a:r>
             <a:r>
-              <a:rPr lang="en-US" sz="1400" i="1" dirty="0" smtClean="0">
+              <a:rPr lang="en-US" sz="1400" i="1" smtClean="0">
                 <a:solidFill>
                   <a:srgbClr val="0070C0"/>
                 </a:solidFill>
@@ -15756,7 +15755,7 @@
               <a:t> </a:t>
             </a:r>
             <a:r>
-              <a:rPr lang="en-US" sz="1400" i="1" dirty="0" err="1" smtClean="0">
+              <a:rPr lang="en-US" sz="1400" i="1" err="1" smtClean="0">
                 <a:solidFill>
                   <a:srgbClr val="0070C0"/>
                 </a:solidFill>
@@ -15764,7 +15763,7 @@
               <a:t>tất</a:t>
             </a:r>
             <a:r>
-              <a:rPr lang="en-US" sz="1400" i="1" dirty="0" smtClean="0">
+              <a:rPr lang="en-US" sz="1400" i="1" smtClean="0">
                 <a:solidFill>
                   <a:srgbClr val="0070C0"/>
                 </a:solidFill>
@@ -15772,7 +15771,7 @@
               <a:t> </a:t>
             </a:r>
             <a:r>
-              <a:rPr lang="en-US" sz="1400" i="1" dirty="0" err="1" smtClean="0">
+              <a:rPr lang="en-US" sz="1400" i="1" err="1" smtClean="0">
                 <a:solidFill>
                   <a:srgbClr val="0070C0"/>
                 </a:solidFill>
@@ -15780,7 +15779,7 @@
               <a:t>cả</a:t>
             </a:r>
             <a:r>
-              <a:rPr lang="en-US" sz="1400" i="1" dirty="0" smtClean="0">
+              <a:rPr lang="en-US" sz="1400" i="1" smtClean="0">
                 <a:solidFill>
                   <a:srgbClr val="0070C0"/>
                 </a:solidFill>
@@ -15788,7 +15787,7 @@
               <a:t> </a:t>
             </a:r>
             <a:r>
-              <a:rPr lang="en-US" sz="1400" i="1" dirty="0" err="1" smtClean="0">
+              <a:rPr lang="en-US" sz="1400" i="1" err="1" smtClean="0">
                 <a:solidFill>
                   <a:srgbClr val="0070C0"/>
                 </a:solidFill>
@@ -15796,7 +15795,7 @@
               <a:t>mọi</a:t>
             </a:r>
             <a:r>
-              <a:rPr lang="en-US" sz="1400" i="1" dirty="0" smtClean="0">
+              <a:rPr lang="en-US" sz="1400" i="1" smtClean="0">
                 <a:solidFill>
                   <a:srgbClr val="0070C0"/>
                 </a:solidFill>
@@ -15804,7 +15803,7 @@
               <a:t> </a:t>
             </a:r>
             <a:r>
-              <a:rPr lang="en-US" sz="1400" i="1" dirty="0" err="1" smtClean="0">
+              <a:rPr lang="en-US" sz="1400" i="1" err="1" smtClean="0">
                 <a:solidFill>
                   <a:srgbClr val="0070C0"/>
                 </a:solidFill>
@@ -15812,7 +15811,7 @@
               <a:t>phần</a:t>
             </a:r>
             <a:r>
-              <a:rPr lang="en-US" sz="1400" i="1" dirty="0" smtClean="0">
+              <a:rPr lang="en-US" sz="1400" i="1" smtClean="0">
                 <a:solidFill>
                   <a:srgbClr val="0070C0"/>
                 </a:solidFill>
@@ -15820,7 +15819,7 @@
               <a:t> </a:t>
             </a:r>
             <a:r>
-              <a:rPr lang="en-US" sz="1400" i="1" dirty="0" err="1" smtClean="0">
+              <a:rPr lang="en-US" sz="1400" i="1" err="1" smtClean="0">
                 <a:solidFill>
                   <a:srgbClr val="0070C0"/>
                 </a:solidFill>
@@ -15828,7 +15827,7 @@
               <a:t>chứ</a:t>
             </a:r>
             <a:r>
-              <a:rPr lang="en-US" sz="1400" i="1" dirty="0" smtClean="0">
+              <a:rPr lang="en-US" sz="1400" i="1" smtClean="0">
                 <a:solidFill>
                   <a:srgbClr val="0070C0"/>
                 </a:solidFill>
@@ -15836,7 +15835,7 @@
               <a:t> </a:t>
             </a:r>
             <a:r>
-              <a:rPr lang="en-US" sz="1400" i="1" dirty="0" err="1" smtClean="0">
+              <a:rPr lang="en-US" sz="1400" i="1" err="1" smtClean="0">
                 <a:solidFill>
                   <a:srgbClr val="0070C0"/>
                 </a:solidFill>
@@ -15844,7 +15843,7 @@
               <a:t>không</a:t>
             </a:r>
             <a:r>
-              <a:rPr lang="en-US" sz="1400" i="1" dirty="0" smtClean="0">
+              <a:rPr lang="en-US" sz="1400" i="1" smtClean="0">
                 <a:solidFill>
                   <a:srgbClr val="0070C0"/>
                 </a:solidFill>
@@ -15852,7 +15851,7 @@
               <a:t> </a:t>
             </a:r>
             <a:r>
-              <a:rPr lang="en-US" sz="1400" i="1" dirty="0" err="1" smtClean="0">
+              <a:rPr lang="en-US" sz="1400" i="1" err="1" smtClean="0">
                 <a:solidFill>
                   <a:srgbClr val="0070C0"/>
                 </a:solidFill>
@@ -15860,7 +15859,7 @@
               <a:t>chỉ</a:t>
             </a:r>
             <a:r>
-              <a:rPr lang="en-US" sz="1400" i="1" dirty="0" smtClean="0">
+              <a:rPr lang="en-US" sz="1400" i="1" smtClean="0">
                 <a:solidFill>
                   <a:srgbClr val="0070C0"/>
                 </a:solidFill>
@@ -15868,7 +15867,7 @@
               <a:t> </a:t>
             </a:r>
             <a:r>
-              <a:rPr lang="en-US" sz="1400" i="1" dirty="0" err="1" smtClean="0">
+              <a:rPr lang="en-US" sz="1400" i="1" err="1" smtClean="0">
                 <a:solidFill>
                   <a:srgbClr val="0070C0"/>
                 </a:solidFill>
@@ -15876,7 +15875,7 @@
               <a:t>đọc</a:t>
             </a:r>
             <a:r>
-              <a:rPr lang="en-US" sz="1400" i="1" dirty="0" smtClean="0">
+              <a:rPr lang="en-US" sz="1400" i="1" smtClean="0">
                 <a:solidFill>
                   <a:srgbClr val="0070C0"/>
                 </a:solidFill>
@@ -15884,7 +15883,7 @@
               <a:t> </a:t>
             </a:r>
             <a:r>
-              <a:rPr lang="en-US" sz="1400" i="1" dirty="0" err="1" smtClean="0">
+              <a:rPr lang="en-US" sz="1400" i="1" err="1" smtClean="0">
                 <a:solidFill>
                   <a:srgbClr val="0070C0"/>
                 </a:solidFill>
@@ -15892,7 +15891,7 @@
               <a:t>mỗi</a:t>
             </a:r>
             <a:r>
-              <a:rPr lang="en-US" sz="1400" i="1" dirty="0" smtClean="0">
+              <a:rPr lang="en-US" sz="1400" i="1" smtClean="0">
                 <a:solidFill>
                   <a:srgbClr val="0070C0"/>
                 </a:solidFill>
@@ -15900,7 +15899,7 @@
               <a:t> </a:t>
             </a:r>
             <a:r>
-              <a:rPr lang="en-US" sz="1400" i="1" dirty="0" err="1" smtClean="0">
+              <a:rPr lang="en-US" sz="1400" i="1" err="1" smtClean="0">
                 <a:solidFill>
                   <a:srgbClr val="0070C0"/>
                 </a:solidFill>
@@ -15908,7 +15907,7 @@
               <a:t>phần</a:t>
             </a:r>
             <a:r>
-              <a:rPr lang="en-US" sz="1400" i="1" dirty="0" smtClean="0">
+              <a:rPr lang="en-US" sz="1400" i="1" smtClean="0">
                 <a:solidFill>
                   <a:srgbClr val="0070C0"/>
                 </a:solidFill>
@@ -15916,7 +15915,7 @@
               <a:t> </a:t>
             </a:r>
             <a:r>
-              <a:rPr lang="en-US" sz="1400" i="1" dirty="0" err="1" smtClean="0">
+              <a:rPr lang="en-US" sz="1400" i="1" err="1" smtClean="0">
                 <a:solidFill>
                   <a:srgbClr val="0070C0"/>
                 </a:solidFill>
@@ -15924,7 +15923,7 @@
               <a:t>của</a:t>
             </a:r>
             <a:r>
-              <a:rPr lang="en-US" sz="1400" i="1" dirty="0" smtClean="0">
+              <a:rPr lang="en-US" sz="1400" i="1" smtClean="0">
                 <a:solidFill>
                   <a:srgbClr val="0070C0"/>
                 </a:solidFill>
@@ -15932,7 +15931,7 @@
               <a:t> </a:t>
             </a:r>
             <a:r>
-              <a:rPr lang="en-US" sz="1400" i="1" dirty="0" err="1" smtClean="0">
+              <a:rPr lang="en-US" sz="1400" i="1" err="1" smtClean="0">
                 <a:solidFill>
                   <a:srgbClr val="0070C0"/>
                 </a:solidFill>
@@ -15940,7 +15939,7 @@
               <a:t>mình</a:t>
             </a:r>
             <a:r>
-              <a:rPr lang="en-US" sz="1400" i="1" dirty="0" smtClean="0">
+              <a:rPr lang="en-US" sz="1400" i="1" smtClean="0">
                 <a:solidFill>
                   <a:srgbClr val="0070C0"/>
                 </a:solidFill>
@@ -15948,7 +15947,7 @@
               <a:t> </a:t>
             </a:r>
             <a:r>
-              <a:rPr lang="en-US" sz="1400" i="1" dirty="0" err="1" smtClean="0">
+              <a:rPr lang="en-US" sz="1400" i="1" err="1" smtClean="0">
                 <a:solidFill>
                   <a:srgbClr val="0070C0"/>
                 </a:solidFill>
@@ -15956,7 +15955,7 @@
               <a:t>phải</a:t>
             </a:r>
             <a:r>
-              <a:rPr lang="en-US" sz="1400" i="1" dirty="0" smtClean="0">
+              <a:rPr lang="en-US" sz="1400" i="1" smtClean="0">
                 <a:solidFill>
                   <a:srgbClr val="0070C0"/>
                 </a:solidFill>
@@ -15964,7 +15963,7 @@
               <a:t> </a:t>
             </a:r>
             <a:r>
-              <a:rPr lang="en-US" sz="1400" i="1" dirty="0" err="1" smtClean="0">
+              <a:rPr lang="en-US" sz="1400" i="1" err="1" smtClean="0">
                 <a:solidFill>
                   <a:srgbClr val="0070C0"/>
                 </a:solidFill>
@@ -15972,7 +15971,7 @@
               <a:t>trình</a:t>
             </a:r>
             <a:r>
-              <a:rPr lang="en-US" sz="1400" i="1" dirty="0" smtClean="0">
+              <a:rPr lang="en-US" sz="1400" i="1" smtClean="0">
                 <a:solidFill>
                   <a:srgbClr val="0070C0"/>
                 </a:solidFill>
@@ -15980,7 +15979,7 @@
               <a:t> </a:t>
             </a:r>
             <a:r>
-              <a:rPr lang="en-US" sz="1400" i="1" dirty="0" err="1" smtClean="0">
+              <a:rPr lang="en-US" sz="1400" i="1" err="1" smtClean="0">
                 <a:solidFill>
                   <a:srgbClr val="0070C0"/>
                 </a:solidFill>
@@ -15988,14 +15987,14 @@
               <a:t>bày</a:t>
             </a:r>
             <a:r>
-              <a:rPr lang="en-US" sz="1400" i="1" dirty="0" smtClean="0">
+              <a:rPr lang="en-US" sz="1400" i="1" smtClean="0">
                 <a:solidFill>
                   <a:srgbClr val="0070C0"/>
                 </a:solidFill>
               </a:rPr>
               <a:t>.</a:t>
             </a:r>
-            <a:endParaRPr lang="en-US" sz="1400" i="1" dirty="0">
+            <a:endParaRPr lang="en-US" sz="1400" i="1">
               <a:solidFill>
                 <a:srgbClr val="0070C0"/>
               </a:solidFill>
@@ -16007,7 +16006,7 @@
               <a:buChar char="è"/>
             </a:pPr>
             <a:r>
-              <a:rPr lang="en-US" sz="1400" i="1" dirty="0" err="1" smtClean="0">
+              <a:rPr lang="en-US" sz="1400" i="1" err="1" smtClean="0">
                 <a:solidFill>
                   <a:srgbClr val="0070C0"/>
                 </a:solidFill>
@@ -16015,7 +16014,7 @@
               <a:t>Khi</a:t>
             </a:r>
             <a:r>
-              <a:rPr lang="en-US" sz="1400" i="1" dirty="0" smtClean="0">
+              <a:rPr lang="en-US" sz="1400" i="1" smtClean="0">
                 <a:solidFill>
                   <a:srgbClr val="0070C0"/>
                 </a:solidFill>
@@ -16023,7 +16022,7 @@
               <a:t> </a:t>
             </a:r>
             <a:r>
-              <a:rPr lang="en-US" sz="1400" i="1" dirty="0" err="1" smtClean="0">
+              <a:rPr lang="en-US" sz="1400" i="1" err="1" smtClean="0">
                 <a:solidFill>
                   <a:srgbClr val="0070C0"/>
                 </a:solidFill>
@@ -16031,7 +16030,7 @@
               <a:t>một</a:t>
             </a:r>
             <a:r>
-              <a:rPr lang="en-US" sz="1400" i="1" dirty="0" smtClean="0">
+              <a:rPr lang="en-US" sz="1400" i="1" smtClean="0">
                 <a:solidFill>
                   <a:srgbClr val="0070C0"/>
                 </a:solidFill>
@@ -16039,7 +16038,7 @@
               <a:t> </a:t>
             </a:r>
             <a:r>
-              <a:rPr lang="en-US" sz="1400" i="1" dirty="0" err="1" smtClean="0">
+              <a:rPr lang="en-US" sz="1400" i="1" err="1" smtClean="0">
                 <a:solidFill>
                   <a:srgbClr val="0070C0"/>
                 </a:solidFill>
@@ -16047,7 +16046,7 @@
               <a:t>nhóm</a:t>
             </a:r>
             <a:r>
-              <a:rPr lang="en-US" sz="1400" i="1" dirty="0" smtClean="0">
+              <a:rPr lang="en-US" sz="1400" i="1" smtClean="0">
                 <a:solidFill>
                   <a:srgbClr val="0070C0"/>
                 </a:solidFill>
@@ -16055,7 +16054,7 @@
               <a:t> </a:t>
             </a:r>
             <a:r>
-              <a:rPr lang="en-US" sz="1400" i="1" dirty="0" err="1" smtClean="0">
+              <a:rPr lang="en-US" sz="1400" i="1" err="1" smtClean="0">
                 <a:solidFill>
                   <a:srgbClr val="0070C0"/>
                 </a:solidFill>
@@ -16063,7 +16062,7 @@
               <a:t>trình</a:t>
             </a:r>
             <a:r>
-              <a:rPr lang="en-US" sz="1400" i="1" dirty="0" smtClean="0">
+              <a:rPr lang="en-US" sz="1400" i="1" smtClean="0">
                 <a:solidFill>
                   <a:srgbClr val="0070C0"/>
                 </a:solidFill>
@@ -16071,7 +16070,7 @@
               <a:t> </a:t>
             </a:r>
             <a:r>
-              <a:rPr lang="en-US" sz="1400" i="1" dirty="0" err="1" smtClean="0">
+              <a:rPr lang="en-US" sz="1400" i="1" err="1" smtClean="0">
                 <a:solidFill>
                   <a:srgbClr val="0070C0"/>
                 </a:solidFill>
@@ -16079,7 +16078,7 @@
               <a:t>bày</a:t>
             </a:r>
             <a:r>
-              <a:rPr lang="en-US" sz="1400" i="1" dirty="0" smtClean="0">
+              <a:rPr lang="en-US" sz="1400" i="1" smtClean="0">
                 <a:solidFill>
                   <a:srgbClr val="0070C0"/>
                 </a:solidFill>
@@ -16087,7 +16086,7 @@
               <a:t> </a:t>
             </a:r>
             <a:r>
-              <a:rPr lang="en-US" sz="1400" i="1" dirty="0" err="1" smtClean="0">
+              <a:rPr lang="en-US" sz="1400" i="1" err="1" smtClean="0">
                 <a:solidFill>
                   <a:srgbClr val="0070C0"/>
                 </a:solidFill>
@@ -16095,7 +16094,7 @@
               <a:t>xong</a:t>
             </a:r>
             <a:r>
-              <a:rPr lang="en-US" sz="1400" i="1" dirty="0" smtClean="0">
+              <a:rPr lang="en-US" sz="1400" i="1" smtClean="0">
                 <a:solidFill>
                   <a:srgbClr val="0070C0"/>
                 </a:solidFill>
@@ -16103,7 +16102,7 @@
               <a:t> </a:t>
             </a:r>
             <a:r>
-              <a:rPr lang="en-US" sz="1400" i="1" dirty="0" err="1" smtClean="0">
+              <a:rPr lang="en-US" sz="1400" i="1" err="1" smtClean="0">
                 <a:solidFill>
                   <a:srgbClr val="0070C0"/>
                 </a:solidFill>
@@ -16111,7 +16110,7 @@
               <a:t>mà</a:t>
             </a:r>
             <a:r>
-              <a:rPr lang="en-US" sz="1400" i="1" dirty="0" smtClean="0">
+              <a:rPr lang="en-US" sz="1400" i="1" smtClean="0">
                 <a:solidFill>
                   <a:srgbClr val="0070C0"/>
                 </a:solidFill>
@@ -16119,7 +16118,7 @@
               <a:t> </a:t>
             </a:r>
             <a:r>
-              <a:rPr lang="en-US" sz="1400" i="1" dirty="0" err="1" smtClean="0">
+              <a:rPr lang="en-US" sz="1400" i="1" err="1" smtClean="0">
                 <a:solidFill>
                   <a:srgbClr val="0070C0"/>
                 </a:solidFill>
@@ -16127,7 +16126,7 @@
               <a:t>không</a:t>
             </a:r>
             <a:r>
-              <a:rPr lang="en-US" sz="1400" i="1" dirty="0" smtClean="0">
+              <a:rPr lang="en-US" sz="1400" i="1" smtClean="0">
                 <a:solidFill>
                   <a:srgbClr val="0070C0"/>
                 </a:solidFill>
@@ -16135,7 +16134,7 @@
               <a:t> </a:t>
             </a:r>
             <a:r>
-              <a:rPr lang="en-US" sz="1400" i="1" dirty="0" err="1" smtClean="0">
+              <a:rPr lang="en-US" sz="1400" i="1" err="1" smtClean="0">
                 <a:solidFill>
                   <a:srgbClr val="0070C0"/>
                 </a:solidFill>
@@ -16143,7 +16142,7 @@
               <a:t>còn</a:t>
             </a:r>
             <a:r>
-              <a:rPr lang="en-US" sz="1400" i="1" dirty="0" smtClean="0">
+              <a:rPr lang="en-US" sz="1400" i="1" smtClean="0">
                 <a:solidFill>
                   <a:srgbClr val="0070C0"/>
                 </a:solidFill>
@@ -16151,7 +16150,7 @@
               <a:t> </a:t>
             </a:r>
             <a:r>
-              <a:rPr lang="en-US" sz="1400" i="1" dirty="0" err="1" smtClean="0">
+              <a:rPr lang="en-US" sz="1400" i="1" err="1" smtClean="0">
                 <a:solidFill>
                   <a:srgbClr val="0070C0"/>
                 </a:solidFill>
@@ -16159,7 +16158,7 @@
               <a:t>ai</a:t>
             </a:r>
             <a:r>
-              <a:rPr lang="en-US" sz="1400" i="1" dirty="0" smtClean="0">
+              <a:rPr lang="en-US" sz="1400" i="1" smtClean="0">
                 <a:solidFill>
                   <a:srgbClr val="0070C0"/>
                 </a:solidFill>
@@ -16167,7 +16166,7 @@
               <a:t> </a:t>
             </a:r>
             <a:r>
-              <a:rPr lang="en-US" sz="1400" i="1" dirty="0" err="1" smtClean="0">
+              <a:rPr lang="en-US" sz="1400" i="1" err="1" smtClean="0">
                 <a:solidFill>
                   <a:srgbClr val="0070C0"/>
                 </a:solidFill>
@@ -16175,7 +16174,7 @@
               <a:t>hỏi</a:t>
             </a:r>
             <a:r>
-              <a:rPr lang="en-US" sz="1400" i="1" dirty="0" smtClean="0">
+              <a:rPr lang="en-US" sz="1400" i="1" smtClean="0">
                 <a:solidFill>
                   <a:srgbClr val="0070C0"/>
                 </a:solidFill>
@@ -16183,7 +16182,7 @@
               <a:t> </a:t>
             </a:r>
             <a:r>
-              <a:rPr lang="en-US" sz="1400" i="1" dirty="0" err="1" smtClean="0">
+              <a:rPr lang="en-US" sz="1400" i="1" err="1" smtClean="0">
                 <a:solidFill>
                   <a:srgbClr val="0070C0"/>
                 </a:solidFill>
@@ -16191,7 +16190,7 @@
               <a:t>gì</a:t>
             </a:r>
             <a:r>
-              <a:rPr lang="en-US" sz="1400" i="1" dirty="0" smtClean="0">
+              <a:rPr lang="en-US" sz="1400" i="1" smtClean="0">
                 <a:solidFill>
                   <a:srgbClr val="0070C0"/>
                 </a:solidFill>
@@ -16199,7 +16198,7 @@
               <a:t> </a:t>
             </a:r>
             <a:r>
-              <a:rPr lang="en-US" sz="1400" i="1" dirty="0" err="1" smtClean="0">
+              <a:rPr lang="en-US" sz="1400" i="1" err="1" smtClean="0">
                 <a:solidFill>
                   <a:srgbClr val="0070C0"/>
                 </a:solidFill>
@@ -16207,7 +16206,7 @@
               <a:t>thì</a:t>
             </a:r>
             <a:r>
-              <a:rPr lang="en-US" sz="1400" i="1" dirty="0" smtClean="0">
+              <a:rPr lang="en-US" sz="1400" i="1" smtClean="0">
                 <a:solidFill>
                   <a:srgbClr val="0070C0"/>
                 </a:solidFill>
@@ -16215,7 +16214,7 @@
               <a:t> </a:t>
             </a:r>
             <a:r>
-              <a:rPr lang="en-US" sz="1400" i="1" dirty="0" err="1" smtClean="0">
+              <a:rPr lang="en-US" sz="1400" i="1" err="1" smtClean="0">
                 <a:solidFill>
                   <a:srgbClr val="0070C0"/>
                 </a:solidFill>
@@ -16223,7 +16222,7 @@
               <a:t>nếu</a:t>
             </a:r>
             <a:r>
-              <a:rPr lang="en-US" sz="1400" i="1" dirty="0" smtClean="0">
+              <a:rPr lang="en-US" sz="1400" i="1" smtClean="0">
                 <a:solidFill>
                   <a:srgbClr val="0070C0"/>
                 </a:solidFill>
@@ -16231,7 +16230,7 @@
               <a:t> </a:t>
             </a:r>
             <a:r>
-              <a:rPr lang="en-US" sz="1400" i="1" dirty="0" err="1" smtClean="0">
+              <a:rPr lang="en-US" sz="1400" i="1" err="1" smtClean="0">
                 <a:solidFill>
                   <a:srgbClr val="0070C0"/>
                 </a:solidFill>
@@ -16239,7 +16238,7 @@
               <a:t>ai</a:t>
             </a:r>
             <a:r>
-              <a:rPr lang="en-US" sz="1400" i="1" dirty="0" smtClean="0">
+              <a:rPr lang="en-US" sz="1400" i="1" smtClean="0">
                 <a:solidFill>
                   <a:srgbClr val="0070C0"/>
                 </a:solidFill>
@@ -16247,7 +16246,7 @@
               <a:t> </a:t>
             </a:r>
             <a:r>
-              <a:rPr lang="en-US" sz="1400" i="1" dirty="0" err="1" smtClean="0">
+              <a:rPr lang="en-US" sz="1400" i="1" err="1" smtClean="0">
                 <a:solidFill>
                   <a:srgbClr val="0070C0"/>
                 </a:solidFill>
@@ -16255,7 +16254,7 @@
               <a:t>đó</a:t>
             </a:r>
             <a:r>
-              <a:rPr lang="en-US" sz="1400" i="1" dirty="0" smtClean="0">
+              <a:rPr lang="en-US" sz="1400" i="1" smtClean="0">
                 <a:solidFill>
                   <a:srgbClr val="0070C0"/>
                 </a:solidFill>
@@ -16263,7 +16262,7 @@
               <a:t> </a:t>
             </a:r>
             <a:r>
-              <a:rPr lang="en-US" sz="1400" i="1" dirty="0" err="1" smtClean="0">
+              <a:rPr lang="en-US" sz="1400" i="1" err="1" smtClean="0">
                 <a:solidFill>
                   <a:srgbClr val="0070C0"/>
                 </a:solidFill>
@@ -16271,7 +16270,7 @@
               <a:t>bị</a:t>
             </a:r>
             <a:r>
-              <a:rPr lang="en-US" sz="1400" i="1" dirty="0" smtClean="0">
+              <a:rPr lang="en-US" sz="1400" i="1" smtClean="0">
                 <a:solidFill>
                   <a:srgbClr val="0070C0"/>
                 </a:solidFill>
@@ -16279,7 +16278,7 @@
               <a:t> </a:t>
             </a:r>
             <a:r>
-              <a:rPr lang="en-US" sz="1400" i="1" dirty="0" err="1" smtClean="0">
+              <a:rPr lang="en-US" sz="1400" i="1" err="1" smtClean="0">
                 <a:solidFill>
                   <a:srgbClr val="0070C0"/>
                 </a:solidFill>
@@ -16287,7 +16286,7 @@
               <a:t>hỏi</a:t>
             </a:r>
             <a:r>
-              <a:rPr lang="en-US" sz="1400" i="1" dirty="0" smtClean="0">
+              <a:rPr lang="en-US" sz="1400" i="1" smtClean="0">
                 <a:solidFill>
                   <a:srgbClr val="0070C0"/>
                 </a:solidFill>
@@ -16295,7 +16294,7 @@
               <a:t> </a:t>
             </a:r>
             <a:r>
-              <a:rPr lang="en-US" sz="1400" i="1" dirty="0" err="1" smtClean="0">
+              <a:rPr lang="en-US" sz="1400" i="1" err="1" smtClean="0">
                 <a:solidFill>
                   <a:srgbClr val="0070C0"/>
                 </a:solidFill>
@@ -16303,7 +16302,7 @@
               <a:t>bất</a:t>
             </a:r>
             <a:r>
-              <a:rPr lang="en-US" sz="1400" i="1" dirty="0" smtClean="0">
+              <a:rPr lang="en-US" sz="1400" i="1" smtClean="0">
                 <a:solidFill>
                   <a:srgbClr val="0070C0"/>
                 </a:solidFill>
@@ -16311,7 +16310,7 @@
               <a:t> </a:t>
             </a:r>
             <a:r>
-              <a:rPr lang="en-US" sz="1400" i="1" dirty="0" err="1" smtClean="0">
+              <a:rPr lang="en-US" sz="1400" i="1" err="1" smtClean="0">
                 <a:solidFill>
                   <a:srgbClr val="0070C0"/>
                 </a:solidFill>
@@ -16319,7 +16318,7 @@
               <a:t>chợt</a:t>
             </a:r>
             <a:r>
-              <a:rPr lang="en-US" sz="1400" i="1" dirty="0" smtClean="0">
+              <a:rPr lang="en-US" sz="1400" i="1" smtClean="0">
                 <a:solidFill>
                   <a:srgbClr val="0070C0"/>
                 </a:solidFill>
@@ -16327,7 +16326,7 @@
               <a:t> </a:t>
             </a:r>
             <a:r>
-              <a:rPr lang="en-US" sz="1400" i="1" dirty="0" err="1" smtClean="0">
+              <a:rPr lang="en-US" sz="1400" i="1" err="1" smtClean="0">
                 <a:solidFill>
                   <a:srgbClr val="0070C0"/>
                 </a:solidFill>
@@ -16335,7 +16334,7 @@
               <a:t>về</a:t>
             </a:r>
             <a:r>
-              <a:rPr lang="en-US" sz="1400" i="1" dirty="0" smtClean="0">
+              <a:rPr lang="en-US" sz="1400" i="1" smtClean="0">
                 <a:solidFill>
                   <a:srgbClr val="0070C0"/>
                 </a:solidFill>
@@ -16343,7 +16342,7 @@
               <a:t> </a:t>
             </a:r>
             <a:r>
-              <a:rPr lang="en-US" sz="1400" i="1" dirty="0" err="1" smtClean="0">
+              <a:rPr lang="en-US" sz="1400" i="1" err="1" smtClean="0">
                 <a:solidFill>
                   <a:srgbClr val="0070C0"/>
                 </a:solidFill>
@@ -16351,7 +16350,7 @@
               <a:t>vấn</a:t>
             </a:r>
             <a:r>
-              <a:rPr lang="en-US" sz="1400" i="1" dirty="0" smtClean="0">
+              <a:rPr lang="en-US" sz="1400" i="1" smtClean="0">
                 <a:solidFill>
                   <a:srgbClr val="0070C0"/>
                 </a:solidFill>
@@ -16359,7 +16358,7 @@
               <a:t> </a:t>
             </a:r>
             <a:r>
-              <a:rPr lang="en-US" sz="1400" i="1" dirty="0" err="1" smtClean="0">
+              <a:rPr lang="en-US" sz="1400" i="1" err="1" smtClean="0">
                 <a:solidFill>
                   <a:srgbClr val="0070C0"/>
                 </a:solidFill>
@@ -16367,7 +16366,7 @@
               <a:t>đề</a:t>
             </a:r>
             <a:r>
-              <a:rPr lang="en-US" sz="1400" i="1" dirty="0" smtClean="0">
+              <a:rPr lang="en-US" sz="1400" i="1" smtClean="0">
                 <a:solidFill>
                   <a:srgbClr val="0070C0"/>
                 </a:solidFill>
@@ -16375,7 +16374,7 @@
               <a:t> </a:t>
             </a:r>
             <a:r>
-              <a:rPr lang="en-US" sz="1400" i="1" dirty="0" err="1" smtClean="0">
+              <a:rPr lang="en-US" sz="1400" i="1" err="1" smtClean="0">
                 <a:solidFill>
                   <a:srgbClr val="0070C0"/>
                 </a:solidFill>
@@ -16383,7 +16382,7 @@
               <a:t>vừa</a:t>
             </a:r>
             <a:r>
-              <a:rPr lang="en-US" sz="1400" i="1" dirty="0" smtClean="0">
+              <a:rPr lang="en-US" sz="1400" i="1" smtClean="0">
                 <a:solidFill>
                   <a:srgbClr val="0070C0"/>
                 </a:solidFill>
@@ -16391,7 +16390,7 @@
               <a:t> </a:t>
             </a:r>
             <a:r>
-              <a:rPr lang="en-US" sz="1400" i="1" dirty="0" err="1" smtClean="0">
+              <a:rPr lang="en-US" sz="1400" i="1" err="1" smtClean="0">
                 <a:solidFill>
                   <a:srgbClr val="0070C0"/>
                 </a:solidFill>
@@ -16399,7 +16398,7 @@
               <a:t>trình</a:t>
             </a:r>
             <a:r>
-              <a:rPr lang="en-US" sz="1400" i="1" dirty="0" smtClean="0">
+              <a:rPr lang="en-US" sz="1400" i="1" smtClean="0">
                 <a:solidFill>
                   <a:srgbClr val="0070C0"/>
                 </a:solidFill>
@@ -16407,7 +16406,7 @@
               <a:t> </a:t>
             </a:r>
             <a:r>
-              <a:rPr lang="en-US" sz="1400" i="1" dirty="0" err="1" smtClean="0">
+              <a:rPr lang="en-US" sz="1400" i="1" err="1" smtClean="0">
                 <a:solidFill>
                   <a:srgbClr val="0070C0"/>
                 </a:solidFill>
@@ -16415,7 +16414,7 @@
               <a:t>bày</a:t>
             </a:r>
             <a:r>
-              <a:rPr lang="en-US" sz="1400" i="1" dirty="0" smtClean="0">
+              <a:rPr lang="en-US" sz="1400" i="1" smtClean="0">
                 <a:solidFill>
                   <a:srgbClr val="0070C0"/>
                 </a:solidFill>
@@ -16423,7 +16422,7 @@
               <a:t> </a:t>
             </a:r>
             <a:r>
-              <a:rPr lang="en-US" sz="1400" i="1" dirty="0" err="1" smtClean="0">
+              <a:rPr lang="en-US" sz="1400" i="1" err="1" smtClean="0">
                 <a:solidFill>
                   <a:srgbClr val="0070C0"/>
                 </a:solidFill>
@@ -16431,7 +16430,7 @@
               <a:t>mà</a:t>
             </a:r>
             <a:r>
-              <a:rPr lang="en-US" sz="1400" i="1" dirty="0" smtClean="0">
+              <a:rPr lang="en-US" sz="1400" i="1" smtClean="0">
                 <a:solidFill>
                   <a:srgbClr val="0070C0"/>
                 </a:solidFill>
@@ -16439,7 +16438,7 @@
               <a:t> </a:t>
             </a:r>
             <a:r>
-              <a:rPr lang="en-US" sz="1400" i="1" dirty="0" err="1" smtClean="0">
+              <a:rPr lang="en-US" sz="1400" i="1" err="1" smtClean="0">
                 <a:solidFill>
                   <a:srgbClr val="0070C0"/>
                 </a:solidFill>
@@ -16447,7 +16446,7 @@
               <a:t>không</a:t>
             </a:r>
             <a:r>
-              <a:rPr lang="en-US" sz="1400" i="1" dirty="0" smtClean="0">
+              <a:rPr lang="en-US" sz="1400" i="1" smtClean="0">
                 <a:solidFill>
                   <a:srgbClr val="0070C0"/>
                 </a:solidFill>
@@ -16455,7 +16454,7 @@
               <a:t> </a:t>
             </a:r>
             <a:r>
-              <a:rPr lang="en-US" sz="1400" i="1" dirty="0" err="1" smtClean="0">
+              <a:rPr lang="en-US" sz="1400" i="1" err="1" smtClean="0">
                 <a:solidFill>
                   <a:srgbClr val="0070C0"/>
                 </a:solidFill>
@@ -16463,7 +16462,7 @@
               <a:t>trả</a:t>
             </a:r>
             <a:r>
-              <a:rPr lang="en-US" sz="1400" i="1" dirty="0" smtClean="0">
+              <a:rPr lang="en-US" sz="1400" i="1" smtClean="0">
                 <a:solidFill>
                   <a:srgbClr val="0070C0"/>
                 </a:solidFill>
@@ -16471,7 +16470,7 @@
               <a:t> </a:t>
             </a:r>
             <a:r>
-              <a:rPr lang="en-US" sz="1400" i="1" dirty="0" err="1" smtClean="0">
+              <a:rPr lang="en-US" sz="1400" i="1" err="1" smtClean="0">
                 <a:solidFill>
                   <a:srgbClr val="0070C0"/>
                 </a:solidFill>
@@ -16479,7 +16478,7 @@
               <a:t>lời</a:t>
             </a:r>
             <a:r>
-              <a:rPr lang="en-US" sz="1400" i="1" dirty="0" smtClean="0">
+              <a:rPr lang="en-US" sz="1400" i="1" smtClean="0">
                 <a:solidFill>
                   <a:srgbClr val="0070C0"/>
                 </a:solidFill>
@@ -16487,7 +16486,7 @@
               <a:t> </a:t>
             </a:r>
             <a:r>
-              <a:rPr lang="en-US" sz="1400" i="1" dirty="0" err="1" smtClean="0">
+              <a:rPr lang="en-US" sz="1400" i="1" err="1" smtClean="0">
                 <a:solidFill>
                   <a:srgbClr val="0070C0"/>
                 </a:solidFill>
@@ -16495,7 +16494,7 @@
               <a:t>được</a:t>
             </a:r>
             <a:r>
-              <a:rPr lang="en-US" sz="1400" i="1" dirty="0" smtClean="0">
+              <a:rPr lang="en-US" sz="1400" i="1" smtClean="0">
                 <a:solidFill>
                   <a:srgbClr val="0070C0"/>
                 </a:solidFill>
@@ -16503,7 +16502,7 @@
               <a:t> </a:t>
             </a:r>
             <a:r>
-              <a:rPr lang="en-US" sz="1400" i="1" dirty="0" err="1" smtClean="0">
+              <a:rPr lang="en-US" sz="1400" i="1" err="1" smtClean="0">
                 <a:solidFill>
                   <a:srgbClr val="0070C0"/>
                 </a:solidFill>
@@ -16511,7 +16510,7 @@
               <a:t>thì</a:t>
             </a:r>
             <a:r>
-              <a:rPr lang="en-US" sz="1400" i="1" dirty="0" smtClean="0">
+              <a:rPr lang="en-US" sz="1400" i="1" smtClean="0">
                 <a:solidFill>
                   <a:srgbClr val="0070C0"/>
                 </a:solidFill>
@@ -16519,7 +16518,7 @@
               <a:t> </a:t>
             </a:r>
             <a:r>
-              <a:rPr lang="en-US" sz="1400" i="1" dirty="0" err="1" smtClean="0">
+              <a:rPr lang="en-US" sz="1400" i="1" err="1" smtClean="0">
                 <a:solidFill>
                   <a:srgbClr val="0070C0"/>
                 </a:solidFill>
@@ -16527,7 +16526,7 @@
               <a:t>sẽ</a:t>
             </a:r>
             <a:r>
-              <a:rPr lang="en-US" sz="1400" i="1" dirty="0" smtClean="0">
+              <a:rPr lang="en-US" sz="1400" i="1" smtClean="0">
                 <a:solidFill>
                   <a:srgbClr val="0070C0"/>
                 </a:solidFill>
@@ -16535,7 +16534,7 @@
               <a:t> </a:t>
             </a:r>
             <a:r>
-              <a:rPr lang="en-US" sz="1400" i="1" dirty="0" err="1" smtClean="0">
+              <a:rPr lang="en-US" sz="1400" i="1" err="1" smtClean="0">
                 <a:solidFill>
                   <a:srgbClr val="0070C0"/>
                 </a:solidFill>
@@ -16543,7 +16542,7 @@
               <a:t>bị</a:t>
             </a:r>
             <a:r>
-              <a:rPr lang="en-US" sz="1400" i="1" dirty="0" smtClean="0">
+              <a:rPr lang="en-US" sz="1400" i="1" smtClean="0">
                 <a:solidFill>
                   <a:srgbClr val="0070C0"/>
                 </a:solidFill>
@@ -16551,7 +16550,7 @@
               <a:t> </a:t>
             </a:r>
             <a:r>
-              <a:rPr lang="en-US" sz="1400" i="1" dirty="0" err="1" smtClean="0">
+              <a:rPr lang="en-US" sz="1400" i="1" err="1" smtClean="0">
                 <a:solidFill>
                   <a:srgbClr val="0070C0"/>
                 </a:solidFill>
@@ -16559,7 +16558,7 @@
               <a:t>phạt</a:t>
             </a:r>
             <a:r>
-              <a:rPr lang="en-US" sz="1400" i="1" dirty="0" smtClean="0">
+              <a:rPr lang="en-US" sz="1400" i="1" smtClean="0">
                 <a:solidFill>
                   <a:srgbClr val="0070C0"/>
                 </a:solidFill>
@@ -16604,7 +16603,7 @@
           <a:blip r:embed="rId3" cstate="email">
             <a:extLst>
               <a:ext uri="{28A0092B-C50C-407E-A947-70E740481C1C}">
-                <a14:useLocalDpi xmlns:a14="http://schemas.microsoft.com/office/drawing/2010/main" val="0"/>
+                <a14:useLocalDpi xmlns:a14="http://schemas.microsoft.com/office/drawing/2010/main" xmlns="" val="0"/>
               </a:ext>
             </a:extLst>
           </a:blip>
@@ -16625,7 +16624,7 @@
     </p:spTree>
     <p:extLst>
       <p:ext uri="{BB962C8B-B14F-4D97-AF65-F5344CB8AC3E}">
-        <p14:creationId xmlns:p14="http://schemas.microsoft.com/office/powerpoint/2010/main" val="289607978"/>
+        <p14:creationId xmlns:p14="http://schemas.microsoft.com/office/powerpoint/2010/main" xmlns="" val="289607978"/>
       </p:ext>
     </p:extLst>
   </p:cSld>
@@ -16635,7 +16634,7 @@
   <p:timing>
     <p:tnLst>
       <p:par>
-        <p:cTn xmlns:p14="http://schemas.microsoft.com/office/powerpoint/2010/main" id="1" dur="indefinite" restart="never" nodeType="tmRoot"/>
+        <p:cTn id="1" dur="indefinite" restart="never" nodeType="tmRoot"/>
       </p:par>
     </p:tnLst>
   </p:timing>
@@ -16677,34 +16676,34 @@
           <a:lstStyle/>
           <a:p>
             <a:r>
-              <a:rPr lang="en-US" dirty="0" err="1" smtClean="0"/>
+              <a:rPr lang="en-US" err="1" smtClean="0"/>
               <a:t>Tài</a:t>
             </a:r>
             <a:r>
-              <a:rPr lang="en-US" dirty="0" smtClean="0"/>
+              <a:rPr lang="en-US" smtClean="0"/>
               <a:t> </a:t>
             </a:r>
             <a:r>
-              <a:rPr lang="en-US" dirty="0" err="1" smtClean="0"/>
+              <a:rPr lang="en-US" err="1" smtClean="0"/>
               <a:t>liệu</a:t>
             </a:r>
             <a:r>
-              <a:rPr lang="en-US" dirty="0" smtClean="0"/>
+              <a:rPr lang="en-US" smtClean="0"/>
               <a:t> </a:t>
             </a:r>
             <a:r>
-              <a:rPr lang="en-US" dirty="0" err="1" smtClean="0"/>
+              <a:rPr lang="en-US" err="1" smtClean="0"/>
               <a:t>tham</a:t>
             </a:r>
             <a:r>
-              <a:rPr lang="en-US" dirty="0" smtClean="0"/>
+              <a:rPr lang="en-US" smtClean="0"/>
               <a:t> </a:t>
             </a:r>
             <a:r>
-              <a:rPr lang="en-US" dirty="0" err="1" smtClean="0"/>
+              <a:rPr lang="en-US" err="1" smtClean="0"/>
               <a:t>khảo</a:t>
             </a:r>
-            <a:endParaRPr lang="en-US" dirty="0"/>
+            <a:endParaRPr lang="en-US"/>
           </a:p>
         </p:txBody>
       </p:sp>
@@ -16726,26 +16725,26 @@
           <a:lstStyle/>
           <a:p>
             <a:r>
-              <a:rPr lang="en-US" b="1" dirty="0"/>
+              <a:rPr lang="en-US" b="1"/>
               <a:t>Reference: </a:t>
             </a:r>
             <a:br>
-              <a:rPr lang="en-US" b="1" dirty="0"/>
+              <a:rPr lang="en-US" b="1"/>
             </a:br>
             <a:r>
-              <a:rPr lang="en-US" b="1" dirty="0" smtClean="0"/>
+              <a:rPr lang="en-US" b="1" smtClean="0"/>
               <a:t>1.</a:t>
             </a:r>
             <a:r>
-              <a:rPr lang="en-US" dirty="0" smtClean="0"/>
+              <a:rPr lang="en-US" smtClean="0"/>
               <a:t>Apress.SCJP.Exam.for.J2SE.5.May.2006.pdf</a:t>
             </a:r>
             <a:r>
-              <a:rPr lang="en-US" dirty="0"/>
+              <a:rPr lang="en-US"/>
               <a:t/>
             </a:r>
             <a:br>
-              <a:rPr lang="en-US" dirty="0"/>
+              <a:rPr lang="en-US"/>
             </a:br>
             <a:r>
               <a:rPr lang="en-US"/>
@@ -16759,83 +16758,79 @@
               <a:rPr lang="en-US"/>
               <a:t>: Data Types and Operators</a:t>
             </a:r>
-            <a:r>
-              <a:rPr lang="en-US" dirty="0"/>
-              <a:t/>
-            </a:r>
             <a:br>
-              <a:rPr lang="en-US" dirty="0"/>
+              <a:rPr lang="en-US"/>
             </a:br>
-            <a:endParaRPr lang="en-US" dirty="0" smtClean="0"/>
+            <a:endParaRPr lang="en-US" smtClean="0"/>
           </a:p>
           <a:p>
             <a:r>
-              <a:rPr lang="en-US" b="1" dirty="0" smtClean="0"/>
+              <a:rPr lang="en-US" b="1" smtClean="0"/>
               <a:t>2.</a:t>
             </a:r>
             <a:r>
-              <a:rPr lang="en-US" dirty="0" smtClean="0"/>
+              <a:rPr lang="en-US" smtClean="0"/>
               <a:t>http</a:t>
             </a:r>
             <a:r>
-              <a:rPr lang="en-US" dirty="0"/>
+              <a:rPr lang="en-US"/>
               <a:t>://www.java2s.com/Tutorial/Java/0020__Language/0020__</a:t>
             </a:r>
             <a:r>
-              <a:rPr lang="en-US" dirty="0" smtClean="0"/>
+              <a:rPr lang="en-US" smtClean="0"/>
               <a:t>Introduction.htm</a:t>
             </a:r>
             <a:r>
-              <a:rPr lang="en-US" dirty="0"/>
+              <a:rPr lang="en-US"/>
               <a:t/>
             </a:r>
             <a:br>
-              <a:rPr lang="en-US" dirty="0"/>
+              <a:rPr lang="en-US"/>
             </a:br>
-            <a:endParaRPr lang="en-US" dirty="0" smtClean="0"/>
+            <a:endParaRPr lang="en-US" smtClean="0"/>
           </a:p>
           <a:p>
             <a:r>
-              <a:rPr lang="en-US" b="1" dirty="0" smtClean="0"/>
+              <a:rPr lang="en-US" b="1" smtClean="0"/>
               <a:t>3.</a:t>
             </a:r>
             <a:r>
-              <a:rPr lang="en-US" dirty="0" smtClean="0"/>
+              <a:rPr lang="en-US" smtClean="0"/>
               <a:t>https</a:t>
             </a:r>
             <a:r>
-              <a:rPr lang="en-US" dirty="0"/>
+              <a:rPr lang="en-US"/>
               <a:t>://docs.oracle.com/</a:t>
             </a:r>
             <a:r>
-              <a:rPr lang="en-US" dirty="0" err="1"/>
+              <a:rPr lang="en-US" err="1"/>
               <a:t>javase</a:t>
             </a:r>
             <a:r>
-              <a:rPr lang="en-US" dirty="0"/>
+              <a:rPr lang="en-US"/>
               <a:t>/tutorial</a:t>
             </a:r>
             <a:r>
-              <a:rPr lang="en-US" dirty="0" smtClean="0"/>
+              <a:rPr lang="en-US" smtClean="0"/>
               <a:t>/</a:t>
             </a:r>
             <a:br>
-              <a:rPr lang="en-US" dirty="0" smtClean="0"/>
+              <a:rPr lang="en-US" smtClean="0"/>
             </a:br>
-            <a:endParaRPr lang="en-US" dirty="0" smtClean="0"/>
+            <a:endParaRPr lang="en-US" smtClean="0"/>
           </a:p>
           <a:p>
             <a:r>
-              <a:rPr lang="en-US" b="1" dirty="0"/>
+              <a:rPr lang="en-US" b="1"/>
               <a:t>4</a:t>
             </a:r>
             <a:r>
-              <a:rPr lang="en-US" dirty="0"/>
+              <a:rPr lang="en-US"/>
               <a:t>. java_co_ban_tieng_viet.pdf</a:t>
             </a:r>
           </a:p>
           <a:p>
-            <a:endParaRPr lang="en-US" dirty="0" smtClean="0"/>
+            <a:endParaRPr lang="en-US" smtClean="0"/>
           </a:p>
         </p:txBody>
       </p:sp>
@@ -16874,7 +16869,7 @@
           <a:blip r:embed="rId3" cstate="email">
             <a:extLst>
               <a:ext uri="{28A0092B-C50C-407E-A947-70E740481C1C}">
-                <a14:useLocalDpi xmlns:a14="http://schemas.microsoft.com/office/drawing/2010/main" val="0"/>
+                <a14:useLocalDpi xmlns:a14="http://schemas.microsoft.com/office/drawing/2010/main" xmlns="" val="0"/>
               </a:ext>
             </a:extLst>
           </a:blip>
@@ -16895,7 +16890,7 @@
     </p:spTree>
     <p:extLst>
       <p:ext uri="{BB962C8B-B14F-4D97-AF65-F5344CB8AC3E}">
-        <p14:creationId xmlns:p14="http://schemas.microsoft.com/office/powerpoint/2010/main" val="1039065609"/>
+        <p14:creationId xmlns:p14="http://schemas.microsoft.com/office/powerpoint/2010/main" xmlns="" val="1039065609"/>
       </p:ext>
     </p:extLst>
   </p:cSld>
@@ -16905,7 +16900,7 @@
   <p:timing>
     <p:tnLst>
       <p:par>
-        <p:cTn xmlns:p14="http://schemas.microsoft.com/office/powerpoint/2010/main" id="1" dur="indefinite" restart="never" nodeType="tmRoot"/>
+        <p:cTn id="1" dur="indefinite" restart="never" nodeType="tmRoot"/>
       </p:par>
     </p:tnLst>
   </p:timing>
@@ -17453,7 +17448,7 @@
   <a:extraClrSchemeLst/>
   <a:extLst>
     <a:ext uri="{05A4C25C-085E-4340-85A3-A5531E510DB2}">
-      <thm15:themeFamily xmlns:thm15="http://schemas.microsoft.com/office/thememl/2012/main" xmlns="" name="Office Theme" id="{62F939B6-93AF-4DB8-9C6B-D6C7DFDC589F}" vid="{4A3C46E8-61CC-4603-A589-7422A47A8E4A}"/>
+      <thm15:themeFamily xmlns="" xmlns:thm15="http://schemas.microsoft.com/office/thememl/2012/main" name="Office Theme" id="{62F939B6-93AF-4DB8-9C6B-D6C7DFDC589F}" vid="{4A3C46E8-61CC-4603-A589-7422A47A8E4A}"/>
     </a:ext>
   </a:extLst>
 </a:theme>
@@ -17714,7 +17709,7 @@
   <a:extraClrSchemeLst/>
   <a:extLst>
     <a:ext uri="{05A4C25C-085E-4340-85A3-A5531E510DB2}">
-      <thm15:themeFamily xmlns:thm15="http://schemas.microsoft.com/office/thememl/2012/main" xmlns="" name="Office Theme" id="{62F939B6-93AF-4DB8-9C6B-D6C7DFDC589F}" vid="{4A3C46E8-61CC-4603-A589-7422A47A8E4A}"/>
+      <thm15:themeFamily xmlns="" xmlns:thm15="http://schemas.microsoft.com/office/thememl/2012/main" name="Office Theme" id="{62F939B6-93AF-4DB8-9C6B-D6C7DFDC589F}" vid="{4A3C46E8-61CC-4603-A589-7422A47A8E4A}"/>
     </a:ext>
   </a:extLst>
 </a:theme>
